--- a/Presentation1.pptx
+++ b/Presentation1.pptx
@@ -5,11 +5,13 @@
     <p:sldMasterId id="2147483660" r:id="rId1"/>
   </p:sldMasterIdLst>
   <p:notesMasterIdLst>
-    <p:notesMasterId r:id="rId4"/>
+    <p:notesMasterId r:id="rId6"/>
   </p:notesMasterIdLst>
   <p:sldIdLst>
     <p:sldId id="273" r:id="rId2"/>
     <p:sldId id="274" r:id="rId3"/>
+    <p:sldId id="275" r:id="rId4"/>
+    <p:sldId id="276" r:id="rId5"/>
   </p:sldIdLst>
   <p:sldSz cx="12192000" cy="6858000"/>
   <p:notesSz cx="6858000" cy="9144000"/>
@@ -115,6 +117,8 @@
           <p14:sldIdLst>
             <p14:sldId id="273"/>
             <p14:sldId id="274"/>
+            <p14:sldId id="275"/>
+            <p14:sldId id="276"/>
           </p14:sldIdLst>
         </p14:section>
       </p14:sectionLst>
@@ -144,6 +148,753 @@
 </file>
 
 <file path=ppt/diagrams/colors1.xml><?xml version="1.0" encoding="utf-8"?>
+<dgm:colorsDef xmlns:dgm="http://schemas.openxmlformats.org/drawingml/2006/diagram" xmlns:a="http://schemas.openxmlformats.org/drawingml/2006/main" uniqueId="urn:microsoft.com/office/officeart/2005/8/colors/accent1_2">
+  <dgm:title val=""/>
+  <dgm:desc val=""/>
+  <dgm:catLst>
+    <dgm:cat type="accent1" pri="11200"/>
+  </dgm:catLst>
+  <dgm:styleLbl name="node0">
+    <dgm:fillClrLst meth="repeat">
+      <a:schemeClr val="accent1"/>
+    </dgm:fillClrLst>
+    <dgm:linClrLst meth="repeat">
+      <a:schemeClr val="lt1"/>
+    </dgm:linClrLst>
+    <dgm:effectClrLst/>
+    <dgm:txLinClrLst/>
+    <dgm:txFillClrLst/>
+    <dgm:txEffectClrLst/>
+  </dgm:styleLbl>
+  <dgm:styleLbl name="alignNode1">
+    <dgm:fillClrLst meth="repeat">
+      <a:schemeClr val="accent1"/>
+    </dgm:fillClrLst>
+    <dgm:linClrLst meth="repeat">
+      <a:schemeClr val="accent1"/>
+    </dgm:linClrLst>
+    <dgm:effectClrLst/>
+    <dgm:txLinClrLst/>
+    <dgm:txFillClrLst/>
+    <dgm:txEffectClrLst/>
+  </dgm:styleLbl>
+  <dgm:styleLbl name="node1">
+    <dgm:fillClrLst meth="repeat">
+      <a:schemeClr val="accent1"/>
+    </dgm:fillClrLst>
+    <dgm:linClrLst meth="repeat">
+      <a:schemeClr val="lt1"/>
+    </dgm:linClrLst>
+    <dgm:effectClrLst/>
+    <dgm:txLinClrLst/>
+    <dgm:txFillClrLst/>
+    <dgm:txEffectClrLst/>
+  </dgm:styleLbl>
+  <dgm:styleLbl name="lnNode1">
+    <dgm:fillClrLst meth="repeat">
+      <a:schemeClr val="accent1"/>
+    </dgm:fillClrLst>
+    <dgm:linClrLst meth="repeat">
+      <a:schemeClr val="lt1"/>
+    </dgm:linClrLst>
+    <dgm:effectClrLst/>
+    <dgm:txLinClrLst/>
+    <dgm:txFillClrLst/>
+    <dgm:txEffectClrLst/>
+  </dgm:styleLbl>
+  <dgm:styleLbl name="vennNode1">
+    <dgm:fillClrLst meth="repeat">
+      <a:schemeClr val="accent1">
+        <a:alpha val="50000"/>
+      </a:schemeClr>
+    </dgm:fillClrLst>
+    <dgm:linClrLst meth="repeat">
+      <a:schemeClr val="lt1"/>
+    </dgm:linClrLst>
+    <dgm:effectClrLst/>
+    <dgm:txLinClrLst/>
+    <dgm:txFillClrLst/>
+    <dgm:txEffectClrLst/>
+  </dgm:styleLbl>
+  <dgm:styleLbl name="node2">
+    <dgm:fillClrLst meth="repeat">
+      <a:schemeClr val="accent1"/>
+    </dgm:fillClrLst>
+    <dgm:linClrLst meth="repeat">
+      <a:schemeClr val="lt1"/>
+    </dgm:linClrLst>
+    <dgm:effectClrLst/>
+    <dgm:txLinClrLst/>
+    <dgm:txFillClrLst/>
+    <dgm:txEffectClrLst/>
+  </dgm:styleLbl>
+  <dgm:styleLbl name="node3">
+    <dgm:fillClrLst meth="repeat">
+      <a:schemeClr val="accent1"/>
+    </dgm:fillClrLst>
+    <dgm:linClrLst meth="repeat">
+      <a:schemeClr val="lt1"/>
+    </dgm:linClrLst>
+    <dgm:effectClrLst/>
+    <dgm:txLinClrLst/>
+    <dgm:txFillClrLst/>
+    <dgm:txEffectClrLst/>
+  </dgm:styleLbl>
+  <dgm:styleLbl name="node4">
+    <dgm:fillClrLst meth="repeat">
+      <a:schemeClr val="accent1"/>
+    </dgm:fillClrLst>
+    <dgm:linClrLst meth="repeat">
+      <a:schemeClr val="lt1"/>
+    </dgm:linClrLst>
+    <dgm:effectClrLst/>
+    <dgm:txLinClrLst/>
+    <dgm:txFillClrLst/>
+    <dgm:txEffectClrLst/>
+  </dgm:styleLbl>
+  <dgm:styleLbl name="fgImgPlace1">
+    <dgm:fillClrLst meth="repeat">
+      <a:schemeClr val="accent1">
+        <a:tint val="50000"/>
+      </a:schemeClr>
+    </dgm:fillClrLst>
+    <dgm:linClrLst meth="repeat">
+      <a:schemeClr val="lt1"/>
+    </dgm:linClrLst>
+    <dgm:effectClrLst/>
+    <dgm:txLinClrLst/>
+    <dgm:txFillClrLst meth="repeat">
+      <a:schemeClr val="lt1"/>
+    </dgm:txFillClrLst>
+    <dgm:txEffectClrLst/>
+  </dgm:styleLbl>
+  <dgm:styleLbl name="alignImgPlace1">
+    <dgm:fillClrLst meth="repeat">
+      <a:schemeClr val="accent1">
+        <a:tint val="50000"/>
+      </a:schemeClr>
+    </dgm:fillClrLst>
+    <dgm:linClrLst meth="repeat">
+      <a:schemeClr val="lt1"/>
+    </dgm:linClrLst>
+    <dgm:effectClrLst/>
+    <dgm:txLinClrLst/>
+    <dgm:txFillClrLst meth="repeat">
+      <a:schemeClr val="lt1"/>
+    </dgm:txFillClrLst>
+    <dgm:txEffectClrLst/>
+  </dgm:styleLbl>
+  <dgm:styleLbl name="bgImgPlace1">
+    <dgm:fillClrLst meth="repeat">
+      <a:schemeClr val="accent1">
+        <a:tint val="50000"/>
+      </a:schemeClr>
+    </dgm:fillClrLst>
+    <dgm:linClrLst meth="repeat">
+      <a:schemeClr val="lt1"/>
+    </dgm:linClrLst>
+    <dgm:effectClrLst/>
+    <dgm:txLinClrLst/>
+    <dgm:txFillClrLst meth="repeat">
+      <a:schemeClr val="lt1"/>
+    </dgm:txFillClrLst>
+    <dgm:txEffectClrLst/>
+  </dgm:styleLbl>
+  <dgm:styleLbl name="sibTrans2D1">
+    <dgm:fillClrLst meth="repeat">
+      <a:schemeClr val="accent1">
+        <a:tint val="60000"/>
+      </a:schemeClr>
+    </dgm:fillClrLst>
+    <dgm:linClrLst meth="repeat">
+      <a:schemeClr val="accent1">
+        <a:tint val="60000"/>
+      </a:schemeClr>
+    </dgm:linClrLst>
+    <dgm:effectClrLst/>
+    <dgm:txLinClrLst/>
+    <dgm:txFillClrLst/>
+    <dgm:txEffectClrLst/>
+  </dgm:styleLbl>
+  <dgm:styleLbl name="fgSibTrans2D1">
+    <dgm:fillClrLst meth="repeat">
+      <a:schemeClr val="accent1">
+        <a:tint val="60000"/>
+      </a:schemeClr>
+    </dgm:fillClrLst>
+    <dgm:linClrLst meth="repeat">
+      <a:schemeClr val="accent1">
+        <a:tint val="60000"/>
+      </a:schemeClr>
+    </dgm:linClrLst>
+    <dgm:effectClrLst/>
+    <dgm:txLinClrLst/>
+    <dgm:txFillClrLst/>
+    <dgm:txEffectClrLst/>
+  </dgm:styleLbl>
+  <dgm:styleLbl name="bgSibTrans2D1">
+    <dgm:fillClrLst meth="repeat">
+      <a:schemeClr val="accent1">
+        <a:tint val="60000"/>
+      </a:schemeClr>
+    </dgm:fillClrLst>
+    <dgm:linClrLst meth="repeat">
+      <a:schemeClr val="accent1">
+        <a:tint val="60000"/>
+      </a:schemeClr>
+    </dgm:linClrLst>
+    <dgm:effectClrLst/>
+    <dgm:txLinClrLst/>
+    <dgm:txFillClrLst/>
+    <dgm:txEffectClrLst/>
+  </dgm:styleLbl>
+  <dgm:styleLbl name="sibTrans1D1">
+    <dgm:fillClrLst meth="repeat">
+      <a:schemeClr val="accent1"/>
+    </dgm:fillClrLst>
+    <dgm:linClrLst meth="repeat">
+      <a:schemeClr val="accent1"/>
+    </dgm:linClrLst>
+    <dgm:effectClrLst/>
+    <dgm:txLinClrLst/>
+    <dgm:txFillClrLst meth="repeat">
+      <a:schemeClr val="tx1"/>
+    </dgm:txFillClrLst>
+    <dgm:txEffectClrLst/>
+  </dgm:styleLbl>
+  <dgm:styleLbl name="callout">
+    <dgm:fillClrLst meth="repeat">
+      <a:schemeClr val="accent1"/>
+    </dgm:fillClrLst>
+    <dgm:linClrLst meth="repeat">
+      <a:schemeClr val="accent1">
+        <a:tint val="50000"/>
+      </a:schemeClr>
+    </dgm:linClrLst>
+    <dgm:effectClrLst/>
+    <dgm:txLinClrLst/>
+    <dgm:txFillClrLst meth="repeat">
+      <a:schemeClr val="tx1"/>
+    </dgm:txFillClrLst>
+    <dgm:txEffectClrLst/>
+  </dgm:styleLbl>
+  <dgm:styleLbl name="asst0">
+    <dgm:fillClrLst meth="repeat">
+      <a:schemeClr val="accent1"/>
+    </dgm:fillClrLst>
+    <dgm:linClrLst meth="repeat">
+      <a:schemeClr val="lt1"/>
+    </dgm:linClrLst>
+    <dgm:effectClrLst/>
+    <dgm:txLinClrLst/>
+    <dgm:txFillClrLst/>
+    <dgm:txEffectClrLst/>
+  </dgm:styleLbl>
+  <dgm:styleLbl name="asst1">
+    <dgm:fillClrLst meth="repeat">
+      <a:schemeClr val="accent1"/>
+    </dgm:fillClrLst>
+    <dgm:linClrLst meth="repeat">
+      <a:schemeClr val="lt1"/>
+    </dgm:linClrLst>
+    <dgm:effectClrLst/>
+    <dgm:txLinClrLst/>
+    <dgm:txFillClrLst/>
+    <dgm:txEffectClrLst/>
+  </dgm:styleLbl>
+  <dgm:styleLbl name="asst2">
+    <dgm:fillClrLst meth="repeat">
+      <a:schemeClr val="accent1"/>
+    </dgm:fillClrLst>
+    <dgm:linClrLst meth="repeat">
+      <a:schemeClr val="lt1"/>
+    </dgm:linClrLst>
+    <dgm:effectClrLst/>
+    <dgm:txLinClrLst/>
+    <dgm:txFillClrLst/>
+    <dgm:txEffectClrLst/>
+  </dgm:styleLbl>
+  <dgm:styleLbl name="asst3">
+    <dgm:fillClrLst meth="repeat">
+      <a:schemeClr val="accent1"/>
+    </dgm:fillClrLst>
+    <dgm:linClrLst meth="repeat">
+      <a:schemeClr val="lt1"/>
+    </dgm:linClrLst>
+    <dgm:effectClrLst/>
+    <dgm:txLinClrLst/>
+    <dgm:txFillClrLst/>
+    <dgm:txEffectClrLst/>
+  </dgm:styleLbl>
+  <dgm:styleLbl name="asst4">
+    <dgm:fillClrLst meth="repeat">
+      <a:schemeClr val="accent1"/>
+    </dgm:fillClrLst>
+    <dgm:linClrLst meth="repeat">
+      <a:schemeClr val="lt1"/>
+    </dgm:linClrLst>
+    <dgm:effectClrLst/>
+    <dgm:txLinClrLst/>
+    <dgm:txFillClrLst/>
+    <dgm:txEffectClrLst/>
+  </dgm:styleLbl>
+  <dgm:styleLbl name="parChTrans2D1">
+    <dgm:fillClrLst meth="repeat">
+      <a:schemeClr val="accent1">
+        <a:tint val="60000"/>
+      </a:schemeClr>
+    </dgm:fillClrLst>
+    <dgm:linClrLst meth="repeat">
+      <a:schemeClr val="accent1">
+        <a:tint val="60000"/>
+      </a:schemeClr>
+    </dgm:linClrLst>
+    <dgm:effectClrLst/>
+    <dgm:txLinClrLst/>
+    <dgm:txFillClrLst meth="repeat">
+      <a:schemeClr val="lt1"/>
+    </dgm:txFillClrLst>
+    <dgm:txEffectClrLst/>
+  </dgm:styleLbl>
+  <dgm:styleLbl name="parChTrans2D2">
+    <dgm:fillClrLst meth="repeat">
+      <a:schemeClr val="accent1"/>
+    </dgm:fillClrLst>
+    <dgm:linClrLst meth="repeat">
+      <a:schemeClr val="accent1"/>
+    </dgm:linClrLst>
+    <dgm:effectClrLst/>
+    <dgm:txLinClrLst/>
+    <dgm:txFillClrLst meth="repeat">
+      <a:schemeClr val="lt1"/>
+    </dgm:txFillClrLst>
+    <dgm:txEffectClrLst/>
+  </dgm:styleLbl>
+  <dgm:styleLbl name="parChTrans2D3">
+    <dgm:fillClrLst meth="repeat">
+      <a:schemeClr val="accent1"/>
+    </dgm:fillClrLst>
+    <dgm:linClrLst meth="repeat">
+      <a:schemeClr val="accent1"/>
+    </dgm:linClrLst>
+    <dgm:effectClrLst/>
+    <dgm:txLinClrLst/>
+    <dgm:txFillClrLst meth="repeat">
+      <a:schemeClr val="lt1"/>
+    </dgm:txFillClrLst>
+    <dgm:txEffectClrLst/>
+  </dgm:styleLbl>
+  <dgm:styleLbl name="parChTrans2D4">
+    <dgm:fillClrLst meth="repeat">
+      <a:schemeClr val="accent1"/>
+    </dgm:fillClrLst>
+    <dgm:linClrLst meth="repeat">
+      <a:schemeClr val="accent1"/>
+    </dgm:linClrLst>
+    <dgm:effectClrLst/>
+    <dgm:txLinClrLst/>
+    <dgm:txFillClrLst meth="repeat">
+      <a:schemeClr val="lt1"/>
+    </dgm:txFillClrLst>
+    <dgm:txEffectClrLst/>
+  </dgm:styleLbl>
+  <dgm:styleLbl name="parChTrans1D1">
+    <dgm:fillClrLst meth="repeat">
+      <a:schemeClr val="accent1"/>
+    </dgm:fillClrLst>
+    <dgm:linClrLst meth="repeat">
+      <a:schemeClr val="accent1">
+        <a:shade val="60000"/>
+      </a:schemeClr>
+    </dgm:linClrLst>
+    <dgm:effectClrLst/>
+    <dgm:txLinClrLst/>
+    <dgm:txFillClrLst meth="repeat">
+      <a:schemeClr val="tx1"/>
+    </dgm:txFillClrLst>
+    <dgm:txEffectClrLst/>
+  </dgm:styleLbl>
+  <dgm:styleLbl name="parChTrans1D2">
+    <dgm:fillClrLst meth="repeat">
+      <a:schemeClr val="accent1"/>
+    </dgm:fillClrLst>
+    <dgm:linClrLst meth="repeat">
+      <a:schemeClr val="accent1">
+        <a:shade val="60000"/>
+      </a:schemeClr>
+    </dgm:linClrLst>
+    <dgm:effectClrLst/>
+    <dgm:txLinClrLst/>
+    <dgm:txFillClrLst meth="repeat">
+      <a:schemeClr val="tx1"/>
+    </dgm:txFillClrLst>
+    <dgm:txEffectClrLst/>
+  </dgm:styleLbl>
+  <dgm:styleLbl name="parChTrans1D3">
+    <dgm:fillClrLst meth="repeat">
+      <a:schemeClr val="accent1"/>
+    </dgm:fillClrLst>
+    <dgm:linClrLst meth="repeat">
+      <a:schemeClr val="accent1">
+        <a:shade val="80000"/>
+      </a:schemeClr>
+    </dgm:linClrLst>
+    <dgm:effectClrLst/>
+    <dgm:txLinClrLst/>
+    <dgm:txFillClrLst meth="repeat">
+      <a:schemeClr val="tx1"/>
+    </dgm:txFillClrLst>
+    <dgm:txEffectClrLst/>
+  </dgm:styleLbl>
+  <dgm:styleLbl name="parChTrans1D4">
+    <dgm:fillClrLst meth="repeat">
+      <a:schemeClr val="accent1"/>
+    </dgm:fillClrLst>
+    <dgm:linClrLst meth="repeat">
+      <a:schemeClr val="accent1">
+        <a:shade val="80000"/>
+      </a:schemeClr>
+    </dgm:linClrLst>
+    <dgm:effectClrLst/>
+    <dgm:txLinClrLst/>
+    <dgm:txFillClrLst meth="repeat">
+      <a:schemeClr val="tx1"/>
+    </dgm:txFillClrLst>
+    <dgm:txEffectClrLst/>
+  </dgm:styleLbl>
+  <dgm:styleLbl name="fgAcc1">
+    <dgm:fillClrLst meth="repeat">
+      <a:schemeClr val="lt1">
+        <a:alpha val="90000"/>
+      </a:schemeClr>
+    </dgm:fillClrLst>
+    <dgm:linClrLst meth="repeat">
+      <a:schemeClr val="accent1"/>
+    </dgm:linClrLst>
+    <dgm:effectClrLst/>
+    <dgm:txLinClrLst/>
+    <dgm:txFillClrLst meth="repeat">
+      <a:schemeClr val="dk1"/>
+    </dgm:txFillClrLst>
+    <dgm:txEffectClrLst/>
+  </dgm:styleLbl>
+  <dgm:styleLbl name="conFgAcc1">
+    <dgm:fillClrLst meth="repeat">
+      <a:schemeClr val="lt1">
+        <a:alpha val="90000"/>
+      </a:schemeClr>
+    </dgm:fillClrLst>
+    <dgm:linClrLst meth="repeat">
+      <a:schemeClr val="accent1"/>
+    </dgm:linClrLst>
+    <dgm:effectClrLst/>
+    <dgm:txLinClrLst/>
+    <dgm:txFillClrLst meth="repeat">
+      <a:schemeClr val="dk1"/>
+    </dgm:txFillClrLst>
+    <dgm:txEffectClrLst/>
+  </dgm:styleLbl>
+  <dgm:styleLbl name="alignAcc1">
+    <dgm:fillClrLst meth="repeat">
+      <a:schemeClr val="lt1">
+        <a:alpha val="90000"/>
+      </a:schemeClr>
+    </dgm:fillClrLst>
+    <dgm:linClrLst meth="repeat">
+      <a:schemeClr val="accent1"/>
+    </dgm:linClrLst>
+    <dgm:effectClrLst/>
+    <dgm:txLinClrLst/>
+    <dgm:txFillClrLst meth="repeat">
+      <a:schemeClr val="dk1"/>
+    </dgm:txFillClrLst>
+    <dgm:txEffectClrLst/>
+  </dgm:styleLbl>
+  <dgm:styleLbl name="trAlignAcc1">
+    <dgm:fillClrLst meth="repeat">
+      <a:schemeClr val="lt1">
+        <a:alpha val="40000"/>
+      </a:schemeClr>
+    </dgm:fillClrLst>
+    <dgm:linClrLst meth="repeat">
+      <a:schemeClr val="accent1"/>
+    </dgm:linClrLst>
+    <dgm:effectClrLst/>
+    <dgm:txLinClrLst/>
+    <dgm:txFillClrLst meth="repeat">
+      <a:schemeClr val="dk1"/>
+    </dgm:txFillClrLst>
+    <dgm:txEffectClrLst/>
+  </dgm:styleLbl>
+  <dgm:styleLbl name="bgAcc1">
+    <dgm:fillClrLst meth="repeat">
+      <a:schemeClr val="lt1">
+        <a:alpha val="90000"/>
+      </a:schemeClr>
+    </dgm:fillClrLst>
+    <dgm:linClrLst meth="repeat">
+      <a:schemeClr val="accent1"/>
+    </dgm:linClrLst>
+    <dgm:effectClrLst/>
+    <dgm:txLinClrLst/>
+    <dgm:txFillClrLst meth="repeat">
+      <a:schemeClr val="dk1"/>
+    </dgm:txFillClrLst>
+    <dgm:txEffectClrLst/>
+  </dgm:styleLbl>
+  <dgm:styleLbl name="solidFgAcc1">
+    <dgm:fillClrLst meth="repeat">
+      <a:schemeClr val="lt1"/>
+    </dgm:fillClrLst>
+    <dgm:linClrLst meth="repeat">
+      <a:schemeClr val="accent1"/>
+    </dgm:linClrLst>
+    <dgm:effectClrLst/>
+    <dgm:txLinClrLst/>
+    <dgm:txFillClrLst meth="repeat">
+      <a:schemeClr val="dk1"/>
+    </dgm:txFillClrLst>
+    <dgm:txEffectClrLst/>
+  </dgm:styleLbl>
+  <dgm:styleLbl name="solidAlignAcc1">
+    <dgm:fillClrLst meth="repeat">
+      <a:schemeClr val="lt1"/>
+    </dgm:fillClrLst>
+    <dgm:linClrLst meth="repeat">
+      <a:schemeClr val="accent1"/>
+    </dgm:linClrLst>
+    <dgm:effectClrLst/>
+    <dgm:txLinClrLst/>
+    <dgm:txFillClrLst meth="repeat">
+      <a:schemeClr val="dk1"/>
+    </dgm:txFillClrLst>
+    <dgm:txEffectClrLst/>
+  </dgm:styleLbl>
+  <dgm:styleLbl name="solidBgAcc1">
+    <dgm:fillClrLst meth="repeat">
+      <a:schemeClr val="lt1"/>
+    </dgm:fillClrLst>
+    <dgm:linClrLst meth="repeat">
+      <a:schemeClr val="accent1"/>
+    </dgm:linClrLst>
+    <dgm:effectClrLst/>
+    <dgm:txLinClrLst/>
+    <dgm:txFillClrLst meth="repeat">
+      <a:schemeClr val="dk1"/>
+    </dgm:txFillClrLst>
+    <dgm:txEffectClrLst/>
+  </dgm:styleLbl>
+  <dgm:styleLbl name="fgAccFollowNode1">
+    <dgm:fillClrLst meth="repeat">
+      <a:schemeClr val="accent1">
+        <a:alpha val="90000"/>
+        <a:tint val="40000"/>
+      </a:schemeClr>
+    </dgm:fillClrLst>
+    <dgm:linClrLst meth="repeat">
+      <a:schemeClr val="accent1">
+        <a:alpha val="90000"/>
+        <a:tint val="40000"/>
+      </a:schemeClr>
+    </dgm:linClrLst>
+    <dgm:effectClrLst/>
+    <dgm:txLinClrLst/>
+    <dgm:txFillClrLst meth="repeat">
+      <a:schemeClr val="dk1"/>
+    </dgm:txFillClrLst>
+    <dgm:txEffectClrLst/>
+  </dgm:styleLbl>
+  <dgm:styleLbl name="alignAccFollowNode1">
+    <dgm:fillClrLst meth="repeat">
+      <a:schemeClr val="accent1">
+        <a:alpha val="90000"/>
+        <a:tint val="40000"/>
+      </a:schemeClr>
+    </dgm:fillClrLst>
+    <dgm:linClrLst meth="repeat">
+      <a:schemeClr val="accent1">
+        <a:alpha val="90000"/>
+        <a:tint val="40000"/>
+      </a:schemeClr>
+    </dgm:linClrLst>
+    <dgm:effectClrLst/>
+    <dgm:txLinClrLst/>
+    <dgm:txFillClrLst meth="repeat">
+      <a:schemeClr val="dk1"/>
+    </dgm:txFillClrLst>
+    <dgm:txEffectClrLst/>
+  </dgm:styleLbl>
+  <dgm:styleLbl name="bgAccFollowNode1">
+    <dgm:fillClrLst meth="repeat">
+      <a:schemeClr val="accent1">
+        <a:alpha val="90000"/>
+        <a:tint val="40000"/>
+      </a:schemeClr>
+    </dgm:fillClrLst>
+    <dgm:linClrLst meth="repeat">
+      <a:schemeClr val="accent1">
+        <a:alpha val="90000"/>
+        <a:tint val="40000"/>
+      </a:schemeClr>
+    </dgm:linClrLst>
+    <dgm:effectClrLst/>
+    <dgm:txLinClrLst/>
+    <dgm:txFillClrLst meth="repeat">
+      <a:schemeClr val="dk1"/>
+    </dgm:txFillClrLst>
+    <dgm:txEffectClrLst/>
+  </dgm:styleLbl>
+  <dgm:styleLbl name="fgAcc0">
+    <dgm:fillClrLst meth="repeat">
+      <a:schemeClr val="lt1">
+        <a:alpha val="90000"/>
+      </a:schemeClr>
+    </dgm:fillClrLst>
+    <dgm:linClrLst meth="repeat">
+      <a:schemeClr val="accent1"/>
+    </dgm:linClrLst>
+    <dgm:effectClrLst/>
+    <dgm:txLinClrLst/>
+    <dgm:txFillClrLst meth="repeat">
+      <a:schemeClr val="dk1"/>
+    </dgm:txFillClrLst>
+    <dgm:txEffectClrLst/>
+  </dgm:styleLbl>
+  <dgm:styleLbl name="fgAcc2">
+    <dgm:fillClrLst meth="repeat">
+      <a:schemeClr val="lt1">
+        <a:alpha val="90000"/>
+      </a:schemeClr>
+    </dgm:fillClrLst>
+    <dgm:linClrLst meth="repeat">
+      <a:schemeClr val="accent1"/>
+    </dgm:linClrLst>
+    <dgm:effectClrLst/>
+    <dgm:txLinClrLst/>
+    <dgm:txFillClrLst meth="repeat">
+      <a:schemeClr val="dk1"/>
+    </dgm:txFillClrLst>
+    <dgm:txEffectClrLst/>
+  </dgm:styleLbl>
+  <dgm:styleLbl name="fgAcc3">
+    <dgm:fillClrLst meth="repeat">
+      <a:schemeClr val="lt1">
+        <a:alpha val="90000"/>
+      </a:schemeClr>
+    </dgm:fillClrLst>
+    <dgm:linClrLst meth="repeat">
+      <a:schemeClr val="accent1"/>
+    </dgm:linClrLst>
+    <dgm:effectClrLst/>
+    <dgm:txLinClrLst/>
+    <dgm:txFillClrLst meth="repeat">
+      <a:schemeClr val="dk1"/>
+    </dgm:txFillClrLst>
+    <dgm:txEffectClrLst/>
+  </dgm:styleLbl>
+  <dgm:styleLbl name="fgAcc4">
+    <dgm:fillClrLst meth="repeat">
+      <a:schemeClr val="lt1">
+        <a:alpha val="90000"/>
+      </a:schemeClr>
+    </dgm:fillClrLst>
+    <dgm:linClrLst meth="repeat">
+      <a:schemeClr val="accent1"/>
+    </dgm:linClrLst>
+    <dgm:effectClrLst/>
+    <dgm:txLinClrLst/>
+    <dgm:txFillClrLst meth="repeat">
+      <a:schemeClr val="dk1"/>
+    </dgm:txFillClrLst>
+    <dgm:txEffectClrLst/>
+  </dgm:styleLbl>
+  <dgm:styleLbl name="bgShp">
+    <dgm:fillClrLst meth="repeat">
+      <a:schemeClr val="accent1">
+        <a:tint val="40000"/>
+      </a:schemeClr>
+    </dgm:fillClrLst>
+    <dgm:linClrLst meth="repeat">
+      <a:schemeClr val="accent1"/>
+    </dgm:linClrLst>
+    <dgm:effectClrLst/>
+    <dgm:txLinClrLst/>
+    <dgm:txFillClrLst meth="repeat">
+      <a:schemeClr val="dk1"/>
+    </dgm:txFillClrLst>
+    <dgm:txEffectClrLst/>
+  </dgm:styleLbl>
+  <dgm:styleLbl name="dkBgShp">
+    <dgm:fillClrLst meth="repeat">
+      <a:schemeClr val="accent1">
+        <a:shade val="80000"/>
+      </a:schemeClr>
+    </dgm:fillClrLst>
+    <dgm:linClrLst meth="repeat">
+      <a:schemeClr val="accent1"/>
+    </dgm:linClrLst>
+    <dgm:effectClrLst/>
+    <dgm:txLinClrLst/>
+    <dgm:txFillClrLst meth="repeat">
+      <a:schemeClr val="lt1"/>
+    </dgm:txFillClrLst>
+    <dgm:txEffectClrLst/>
+  </dgm:styleLbl>
+  <dgm:styleLbl name="trBgShp">
+    <dgm:fillClrLst meth="repeat">
+      <a:schemeClr val="accent1">
+        <a:tint val="50000"/>
+        <a:alpha val="40000"/>
+      </a:schemeClr>
+    </dgm:fillClrLst>
+    <dgm:linClrLst meth="repeat">
+      <a:schemeClr val="accent1"/>
+    </dgm:linClrLst>
+    <dgm:effectClrLst/>
+    <dgm:txLinClrLst/>
+    <dgm:txFillClrLst meth="repeat">
+      <a:schemeClr val="lt1"/>
+    </dgm:txFillClrLst>
+    <dgm:txEffectClrLst/>
+  </dgm:styleLbl>
+  <dgm:styleLbl name="fgShp">
+    <dgm:fillClrLst meth="repeat">
+      <a:schemeClr val="accent1">
+        <a:tint val="60000"/>
+      </a:schemeClr>
+    </dgm:fillClrLst>
+    <dgm:linClrLst meth="repeat">
+      <a:schemeClr val="lt1"/>
+    </dgm:linClrLst>
+    <dgm:effectClrLst/>
+    <dgm:txLinClrLst/>
+    <dgm:txFillClrLst meth="repeat">
+      <a:schemeClr val="dk1"/>
+    </dgm:txFillClrLst>
+    <dgm:txEffectClrLst/>
+  </dgm:styleLbl>
+  <dgm:styleLbl name="revTx">
+    <dgm:fillClrLst meth="repeat">
+      <a:schemeClr val="lt1">
+        <a:alpha val="0"/>
+      </a:schemeClr>
+    </dgm:fillClrLst>
+    <dgm:linClrLst meth="repeat">
+      <a:schemeClr val="dk1">
+        <a:alpha val="0"/>
+      </a:schemeClr>
+    </dgm:linClrLst>
+    <dgm:effectClrLst/>
+    <dgm:txLinClrLst/>
+    <dgm:txFillClrLst meth="repeat">
+      <a:schemeClr val="tx1"/>
+    </dgm:txFillClrLst>
+    <dgm:txEffectClrLst/>
+  </dgm:styleLbl>
+</dgm:colorsDef>
+</file>
+
+<file path=ppt/diagrams/colors2.xml><?xml version="1.0" encoding="utf-8"?>
 <dgm:colorsDef xmlns:dgm="http://schemas.openxmlformats.org/drawingml/2006/diagram" xmlns:a="http://schemas.openxmlformats.org/drawingml/2006/main" uniqueId="urn:microsoft.com/office/officeart/2005/8/colors/accent1_2">
   <dgm:title val=""/>
   <dgm:desc val=""/>
@@ -1228,6 +1979,246 @@
     <dgm:cxn modelId="{2D2EAEC3-5764-D54C-873B-6C85CEA480CF}" type="presParOf" srcId="{2A48536D-8820-6F4D-8FBE-997059A7A11E}" destId="{D637A068-D619-574D-A1D3-DF979BC37B70}" srcOrd="8" destOrd="0" presId="urn:microsoft.com/office/officeart/2005/8/layout/default"/>
     <dgm:cxn modelId="{A93F17DC-821F-ED43-8DB6-3EA6C4022667}" type="presParOf" srcId="{2A48536D-8820-6F4D-8FBE-997059A7A11E}" destId="{1C7FDA86-E467-B848-B8FF-BA0B6A6A1020}" srcOrd="9" destOrd="0" presId="urn:microsoft.com/office/officeart/2005/8/layout/default"/>
     <dgm:cxn modelId="{A000E61A-3DA7-FB4A-9F3F-E6A5AA89F29B}" type="presParOf" srcId="{2A48536D-8820-6F4D-8FBE-997059A7A11E}" destId="{EB053A0E-F20B-2443-B54C-FFF0134EA09E}" srcOrd="10" destOrd="0" presId="urn:microsoft.com/office/officeart/2005/8/layout/default"/>
+  </dgm:cxnLst>
+  <dgm:bg/>
+  <dgm:whole/>
+  <dgm:extLst>
+    <a:ext uri="http://schemas.microsoft.com/office/drawing/2008/diagram">
+      <dsp:dataModelExt xmlns:dsp="http://schemas.microsoft.com/office/drawing/2008/diagram" relId="rId7" minVer="http://schemas.openxmlformats.org/drawingml/2006/diagram"/>
+    </a:ext>
+  </dgm:extLst>
+</dgm:dataModel>
+</file>
+
+<file path=ppt/diagrams/data2.xml><?xml version="1.0" encoding="utf-8"?>
+<dgm:dataModel xmlns:dgm="http://schemas.openxmlformats.org/drawingml/2006/diagram" xmlns:a="http://schemas.openxmlformats.org/drawingml/2006/main">
+  <dgm:ptLst>
+    <dgm:pt modelId="{FCE66233-2904-DA47-A7D4-2DE25F9228CE}" type="doc">
+      <dgm:prSet loTypeId="urn:microsoft.com/office/officeart/2005/8/layout/default" loCatId="list" qsTypeId="urn:microsoft.com/office/officeart/2005/8/quickstyle/simple1" qsCatId="simple" csTypeId="urn:microsoft.com/office/officeart/2005/8/colors/accent1_2" csCatId="accent1" phldr="1"/>
+      <dgm:spPr/>
+      <dgm:t>
+        <a:bodyPr/>
+        <a:lstStyle/>
+        <a:p>
+          <a:endParaRPr lang="en-US"/>
+        </a:p>
+      </dgm:t>
+    </dgm:pt>
+    <dgm:pt modelId="{87E99DAD-5BF4-5D4C-BD5D-CB620ACEDC2E}">
+      <dgm:prSet phldrT="[Text]"/>
+      <dgm:spPr/>
+      <dgm:t>
+        <a:bodyPr/>
+        <a:lstStyle/>
+        <a:p>
+          <a:r>
+            <a:rPr lang="en-US" dirty="0"/>
+            <a:t>Add size filter</a:t>
+          </a:r>
+        </a:p>
+      </dgm:t>
+    </dgm:pt>
+    <dgm:pt modelId="{733146EE-5FDA-6842-AC54-3822A26AAE9C}" type="parTrans" cxnId="{7C9F781B-289A-0046-9AB7-15D1B0A108EF}">
+      <dgm:prSet/>
+      <dgm:spPr/>
+      <dgm:t>
+        <a:bodyPr/>
+        <a:lstStyle/>
+        <a:p>
+          <a:endParaRPr lang="en-US"/>
+        </a:p>
+      </dgm:t>
+    </dgm:pt>
+    <dgm:pt modelId="{22075C50-4E8F-F647-A925-DBA931D12889}" type="sibTrans" cxnId="{7C9F781B-289A-0046-9AB7-15D1B0A108EF}">
+      <dgm:prSet/>
+      <dgm:spPr/>
+      <dgm:t>
+        <a:bodyPr/>
+        <a:lstStyle/>
+        <a:p>
+          <a:endParaRPr lang="en-US"/>
+        </a:p>
+      </dgm:t>
+    </dgm:pt>
+    <dgm:pt modelId="{D7C108E2-3B75-AF4D-961F-54497E2289BF}">
+      <dgm:prSet phldrT="[Text]"/>
+      <dgm:spPr/>
+      <dgm:t>
+        <a:bodyPr/>
+        <a:lstStyle/>
+        <a:p>
+          <a:r>
+            <a:rPr lang="en-US" dirty="0"/>
+            <a:t>Add color filter</a:t>
+          </a:r>
+        </a:p>
+      </dgm:t>
+    </dgm:pt>
+    <dgm:pt modelId="{D154866D-46BE-014A-8BF3-B9F7C62A212A}" type="parTrans" cxnId="{DD9E182A-AB0A-6D4E-8634-AA6DCFA94B32}">
+      <dgm:prSet/>
+      <dgm:spPr/>
+      <dgm:t>
+        <a:bodyPr/>
+        <a:lstStyle/>
+        <a:p>
+          <a:endParaRPr lang="en-US"/>
+        </a:p>
+      </dgm:t>
+    </dgm:pt>
+    <dgm:pt modelId="{7ECF2873-A715-3943-9745-C9CA69FB1B29}" type="sibTrans" cxnId="{DD9E182A-AB0A-6D4E-8634-AA6DCFA94B32}">
+      <dgm:prSet/>
+      <dgm:spPr/>
+      <dgm:t>
+        <a:bodyPr/>
+        <a:lstStyle/>
+        <a:p>
+          <a:endParaRPr lang="en-US"/>
+        </a:p>
+      </dgm:t>
+    </dgm:pt>
+    <dgm:pt modelId="{AA51C415-8C78-B543-B34D-A7578E2F503B}">
+      <dgm:prSet phldrT="[Text]"/>
+      <dgm:spPr/>
+      <dgm:t>
+        <a:bodyPr/>
+        <a:lstStyle/>
+        <a:p>
+          <a:r>
+            <a:rPr lang="en-US" dirty="0"/>
+            <a:t>Filter by text </a:t>
+          </a:r>
+        </a:p>
+      </dgm:t>
+    </dgm:pt>
+    <dgm:pt modelId="{21961AA3-DFE2-4443-8F61-5A82F4AED9C9}" type="parTrans" cxnId="{53D0F5B2-1D3D-FB4C-994E-76213C83190E}">
+      <dgm:prSet/>
+      <dgm:spPr/>
+      <dgm:t>
+        <a:bodyPr/>
+        <a:lstStyle/>
+        <a:p>
+          <a:endParaRPr lang="en-US"/>
+        </a:p>
+      </dgm:t>
+    </dgm:pt>
+    <dgm:pt modelId="{A30B4255-EBDA-984B-A1CF-11DA2038D4A8}" type="sibTrans" cxnId="{53D0F5B2-1D3D-FB4C-994E-76213C83190E}">
+      <dgm:prSet/>
+      <dgm:spPr/>
+      <dgm:t>
+        <a:bodyPr/>
+        <a:lstStyle/>
+        <a:p>
+          <a:endParaRPr lang="en-US"/>
+        </a:p>
+      </dgm:t>
+    </dgm:pt>
+    <dgm:pt modelId="{CD0F87E6-BFC7-E34B-AF9F-DA43C1C60C33}">
+      <dgm:prSet phldrT="[Text]"/>
+      <dgm:spPr/>
+      <dgm:t>
+        <a:bodyPr/>
+        <a:lstStyle/>
+        <a:p>
+          <a:r>
+            <a:rPr lang="en-US" dirty="0"/>
+            <a:t>Send receipt</a:t>
+          </a:r>
+        </a:p>
+      </dgm:t>
+    </dgm:pt>
+    <dgm:pt modelId="{A5A59F45-ADED-9748-A1B1-BEAECF20B67A}" type="parTrans" cxnId="{812124B5-5942-B04C-AC75-E6016D76DC1F}">
+      <dgm:prSet/>
+      <dgm:spPr/>
+      <dgm:t>
+        <a:bodyPr/>
+        <a:lstStyle/>
+        <a:p>
+          <a:endParaRPr lang="en-US"/>
+        </a:p>
+      </dgm:t>
+    </dgm:pt>
+    <dgm:pt modelId="{7EEEE208-68F3-574A-8199-2467F12CA8F5}" type="sibTrans" cxnId="{812124B5-5942-B04C-AC75-E6016D76DC1F}">
+      <dgm:prSet/>
+      <dgm:spPr/>
+      <dgm:t>
+        <a:bodyPr/>
+        <a:lstStyle/>
+        <a:p>
+          <a:endParaRPr lang="en-US"/>
+        </a:p>
+      </dgm:t>
+    </dgm:pt>
+    <dgm:pt modelId="{2A48536D-8820-6F4D-8FBE-997059A7A11E}" type="pres">
+      <dgm:prSet presAssocID="{FCE66233-2904-DA47-A7D4-2DE25F9228CE}" presName="diagram" presStyleCnt="0">
+        <dgm:presLayoutVars>
+          <dgm:dir/>
+          <dgm:resizeHandles val="exact"/>
+        </dgm:presLayoutVars>
+      </dgm:prSet>
+      <dgm:spPr/>
+    </dgm:pt>
+    <dgm:pt modelId="{4EEA1DDE-8233-3C43-99D4-D65519621B95}" type="pres">
+      <dgm:prSet presAssocID="{87E99DAD-5BF4-5D4C-BD5D-CB620ACEDC2E}" presName="node" presStyleLbl="node1" presStyleIdx="0" presStyleCnt="4">
+        <dgm:presLayoutVars>
+          <dgm:bulletEnabled val="1"/>
+        </dgm:presLayoutVars>
+      </dgm:prSet>
+      <dgm:spPr/>
+    </dgm:pt>
+    <dgm:pt modelId="{EBF3834B-30E7-904F-BA05-EEAE6B8A7F1B}" type="pres">
+      <dgm:prSet presAssocID="{22075C50-4E8F-F647-A925-DBA931D12889}" presName="sibTrans" presStyleCnt="0"/>
+      <dgm:spPr/>
+    </dgm:pt>
+    <dgm:pt modelId="{DB9FCA3C-FDEB-ED49-B470-7F2621331952}" type="pres">
+      <dgm:prSet presAssocID="{D7C108E2-3B75-AF4D-961F-54497E2289BF}" presName="node" presStyleLbl="node1" presStyleIdx="1" presStyleCnt="4">
+        <dgm:presLayoutVars>
+          <dgm:bulletEnabled val="1"/>
+        </dgm:presLayoutVars>
+      </dgm:prSet>
+      <dgm:spPr/>
+    </dgm:pt>
+    <dgm:pt modelId="{18BAAC0A-6B79-1243-BCBA-280BE0B4544F}" type="pres">
+      <dgm:prSet presAssocID="{7ECF2873-A715-3943-9745-C9CA69FB1B29}" presName="sibTrans" presStyleCnt="0"/>
+      <dgm:spPr/>
+    </dgm:pt>
+    <dgm:pt modelId="{97B7E3A0-7BF1-914C-AFFA-A9748B790495}" type="pres">
+      <dgm:prSet presAssocID="{AA51C415-8C78-B543-B34D-A7578E2F503B}" presName="node" presStyleLbl="node1" presStyleIdx="2" presStyleCnt="4">
+        <dgm:presLayoutVars>
+          <dgm:bulletEnabled val="1"/>
+        </dgm:presLayoutVars>
+      </dgm:prSet>
+      <dgm:spPr/>
+    </dgm:pt>
+    <dgm:pt modelId="{212D5096-ACF1-9F46-9D50-B86C332B97BC}" type="pres">
+      <dgm:prSet presAssocID="{A30B4255-EBDA-984B-A1CF-11DA2038D4A8}" presName="sibTrans" presStyleCnt="0"/>
+      <dgm:spPr/>
+    </dgm:pt>
+    <dgm:pt modelId="{EB053A0E-F20B-2443-B54C-FFF0134EA09E}" type="pres">
+      <dgm:prSet presAssocID="{CD0F87E6-BFC7-E34B-AF9F-DA43C1C60C33}" presName="node" presStyleLbl="node1" presStyleIdx="3" presStyleCnt="4">
+        <dgm:presLayoutVars>
+          <dgm:bulletEnabled val="1"/>
+        </dgm:presLayoutVars>
+      </dgm:prSet>
+      <dgm:spPr/>
+    </dgm:pt>
+  </dgm:ptLst>
+  <dgm:cxnLst>
+    <dgm:cxn modelId="{7C9F781B-289A-0046-9AB7-15D1B0A108EF}" srcId="{FCE66233-2904-DA47-A7D4-2DE25F9228CE}" destId="{87E99DAD-5BF4-5D4C-BD5D-CB620ACEDC2E}" srcOrd="0" destOrd="0" parTransId="{733146EE-5FDA-6842-AC54-3822A26AAE9C}" sibTransId="{22075C50-4E8F-F647-A925-DBA931D12889}"/>
+    <dgm:cxn modelId="{FAA13325-901B-BF47-AD1C-CC63F126872E}" type="presOf" srcId="{87E99DAD-5BF4-5D4C-BD5D-CB620ACEDC2E}" destId="{4EEA1DDE-8233-3C43-99D4-D65519621B95}" srcOrd="0" destOrd="0" presId="urn:microsoft.com/office/officeart/2005/8/layout/default"/>
+    <dgm:cxn modelId="{DD9E182A-AB0A-6D4E-8634-AA6DCFA94B32}" srcId="{FCE66233-2904-DA47-A7D4-2DE25F9228CE}" destId="{D7C108E2-3B75-AF4D-961F-54497E2289BF}" srcOrd="1" destOrd="0" parTransId="{D154866D-46BE-014A-8BF3-B9F7C62A212A}" sibTransId="{7ECF2873-A715-3943-9745-C9CA69FB1B29}"/>
+    <dgm:cxn modelId="{A1244678-4C20-664E-84FE-099A6320C711}" type="presOf" srcId="{AA51C415-8C78-B543-B34D-A7578E2F503B}" destId="{97B7E3A0-7BF1-914C-AFFA-A9748B790495}" srcOrd="0" destOrd="0" presId="urn:microsoft.com/office/officeart/2005/8/layout/default"/>
+    <dgm:cxn modelId="{39E8207D-46F1-7D49-A569-465D43E7B249}" type="presOf" srcId="{CD0F87E6-BFC7-E34B-AF9F-DA43C1C60C33}" destId="{EB053A0E-F20B-2443-B54C-FFF0134EA09E}" srcOrd="0" destOrd="0" presId="urn:microsoft.com/office/officeart/2005/8/layout/default"/>
+    <dgm:cxn modelId="{FC26269F-F245-E14F-87B5-9302DA71EBFE}" type="presOf" srcId="{FCE66233-2904-DA47-A7D4-2DE25F9228CE}" destId="{2A48536D-8820-6F4D-8FBE-997059A7A11E}" srcOrd="0" destOrd="0" presId="urn:microsoft.com/office/officeart/2005/8/layout/default"/>
+    <dgm:cxn modelId="{53D0F5B2-1D3D-FB4C-994E-76213C83190E}" srcId="{FCE66233-2904-DA47-A7D4-2DE25F9228CE}" destId="{AA51C415-8C78-B543-B34D-A7578E2F503B}" srcOrd="2" destOrd="0" parTransId="{21961AA3-DFE2-4443-8F61-5A82F4AED9C9}" sibTransId="{A30B4255-EBDA-984B-A1CF-11DA2038D4A8}"/>
+    <dgm:cxn modelId="{812124B5-5942-B04C-AC75-E6016D76DC1F}" srcId="{FCE66233-2904-DA47-A7D4-2DE25F9228CE}" destId="{CD0F87E6-BFC7-E34B-AF9F-DA43C1C60C33}" srcOrd="3" destOrd="0" parTransId="{A5A59F45-ADED-9748-A1B1-BEAECF20B67A}" sibTransId="{7EEEE208-68F3-574A-8199-2467F12CA8F5}"/>
+    <dgm:cxn modelId="{C6D386FA-4CBE-AC41-BB97-7CBEA7CC959F}" type="presOf" srcId="{D7C108E2-3B75-AF4D-961F-54497E2289BF}" destId="{DB9FCA3C-FDEB-ED49-B470-7F2621331952}" srcOrd="0" destOrd="0" presId="urn:microsoft.com/office/officeart/2005/8/layout/default"/>
+    <dgm:cxn modelId="{2D70780D-B860-5342-9CAB-40126227CB21}" type="presParOf" srcId="{2A48536D-8820-6F4D-8FBE-997059A7A11E}" destId="{4EEA1DDE-8233-3C43-99D4-D65519621B95}" srcOrd="0" destOrd="0" presId="urn:microsoft.com/office/officeart/2005/8/layout/default"/>
+    <dgm:cxn modelId="{645D5123-DDD9-1D49-90AC-D6A5E541BEBC}" type="presParOf" srcId="{2A48536D-8820-6F4D-8FBE-997059A7A11E}" destId="{EBF3834B-30E7-904F-BA05-EEAE6B8A7F1B}" srcOrd="1" destOrd="0" presId="urn:microsoft.com/office/officeart/2005/8/layout/default"/>
+    <dgm:cxn modelId="{5C9D177B-616E-B040-9698-47533BB5051E}" type="presParOf" srcId="{2A48536D-8820-6F4D-8FBE-997059A7A11E}" destId="{DB9FCA3C-FDEB-ED49-B470-7F2621331952}" srcOrd="2" destOrd="0" presId="urn:microsoft.com/office/officeart/2005/8/layout/default"/>
+    <dgm:cxn modelId="{D3CD12B4-A6C2-5E45-B7E2-93B6DA6C69A8}" type="presParOf" srcId="{2A48536D-8820-6F4D-8FBE-997059A7A11E}" destId="{18BAAC0A-6B79-1243-BCBA-280BE0B4544F}" srcOrd="3" destOrd="0" presId="urn:microsoft.com/office/officeart/2005/8/layout/default"/>
+    <dgm:cxn modelId="{A48E8833-33C2-9048-AA16-294932B296FF}" type="presParOf" srcId="{2A48536D-8820-6F4D-8FBE-997059A7A11E}" destId="{97B7E3A0-7BF1-914C-AFFA-A9748B790495}" srcOrd="4" destOrd="0" presId="urn:microsoft.com/office/officeart/2005/8/layout/default"/>
+    <dgm:cxn modelId="{06779068-F10B-9D46-BCBB-6406404BE812}" type="presParOf" srcId="{2A48536D-8820-6F4D-8FBE-997059A7A11E}" destId="{212D5096-ACF1-9F46-9D50-B86C332B97BC}" srcOrd="5" destOrd="0" presId="urn:microsoft.com/office/officeart/2005/8/layout/default"/>
+    <dgm:cxn modelId="{A000E61A-3DA7-FB4A-9F3F-E6A5AA89F29B}" type="presParOf" srcId="{2A48536D-8820-6F4D-8FBE-997059A7A11E}" destId="{EB053A0E-F20B-2443-B54C-FFF0134EA09E}" srcOrd="6" destOrd="0" presId="urn:microsoft.com/office/officeart/2005/8/layout/default"/>
   </dgm:cxnLst>
   <dgm:bg/>
   <dgm:whole/>
@@ -1724,6 +2715,330 @@
 </dsp:drawing>
 </file>
 
+<file path=ppt/diagrams/drawing2.xml><?xml version="1.0" encoding="utf-8"?>
+<dsp:drawing xmlns:dgm="http://schemas.openxmlformats.org/drawingml/2006/diagram" xmlns:dsp="http://schemas.microsoft.com/office/drawing/2008/diagram" xmlns:a="http://schemas.openxmlformats.org/drawingml/2006/main">
+  <dsp:spTree>
+    <dsp:nvGrpSpPr>
+      <dsp:cNvPr id="0" name=""/>
+      <dsp:cNvGrpSpPr/>
+    </dsp:nvGrpSpPr>
+    <dsp:grpSpPr/>
+    <dsp:sp modelId="{4EEA1DDE-8233-3C43-99D4-D65519621B95}">
+      <dsp:nvSpPr>
+        <dsp:cNvPr id="0" name=""/>
+        <dsp:cNvSpPr/>
+      </dsp:nvSpPr>
+      <dsp:spPr>
+        <a:xfrm>
+          <a:off x="1724092" y="830"/>
+          <a:ext cx="3991782" cy="2395069"/>
+        </a:xfrm>
+        <a:prstGeom prst="rect">
+          <a:avLst/>
+        </a:prstGeom>
+        <a:solidFill>
+          <a:schemeClr val="accent1">
+            <a:hueOff val="0"/>
+            <a:satOff val="0"/>
+            <a:lumOff val="0"/>
+            <a:alphaOff val="0"/>
+          </a:schemeClr>
+        </a:solidFill>
+        <a:ln w="12700" cap="flat" cmpd="sng" algn="ctr">
+          <a:solidFill>
+            <a:schemeClr val="lt1">
+              <a:hueOff val="0"/>
+              <a:satOff val="0"/>
+              <a:lumOff val="0"/>
+              <a:alphaOff val="0"/>
+            </a:schemeClr>
+          </a:solidFill>
+          <a:prstDash val="solid"/>
+          <a:miter lim="800000"/>
+        </a:ln>
+        <a:effectLst/>
+      </dsp:spPr>
+      <dsp:style>
+        <a:lnRef idx="2">
+          <a:scrgbClr r="0" g="0" b="0"/>
+        </a:lnRef>
+        <a:fillRef idx="1">
+          <a:scrgbClr r="0" g="0" b="0"/>
+        </a:fillRef>
+        <a:effectRef idx="0">
+          <a:scrgbClr r="0" g="0" b="0"/>
+        </a:effectRef>
+        <a:fontRef idx="minor">
+          <a:schemeClr val="lt1"/>
+        </a:fontRef>
+      </dsp:style>
+      <dsp:txBody>
+        <a:bodyPr spcFirstLastPara="0" vert="horz" wrap="square" lIns="247650" tIns="247650" rIns="247650" bIns="247650" numCol="1" spcCol="1270" anchor="ctr" anchorCtr="0">
+          <a:noAutofit/>
+        </a:bodyPr>
+        <a:lstStyle/>
+        <a:p>
+          <a:pPr marL="0" lvl="0" indent="0" algn="ctr" defTabSz="2889250">
+            <a:lnSpc>
+              <a:spcPct val="90000"/>
+            </a:lnSpc>
+            <a:spcBef>
+              <a:spcPct val="0"/>
+            </a:spcBef>
+            <a:spcAft>
+              <a:spcPct val="35000"/>
+            </a:spcAft>
+            <a:buNone/>
+          </a:pPr>
+          <a:r>
+            <a:rPr lang="en-US" sz="6500" kern="1200" dirty="0"/>
+            <a:t>Add size filter</a:t>
+          </a:r>
+        </a:p>
+      </dsp:txBody>
+      <dsp:txXfrm>
+        <a:off x="1724092" y="830"/>
+        <a:ext cx="3991782" cy="2395069"/>
+      </dsp:txXfrm>
+    </dsp:sp>
+    <dsp:sp modelId="{DB9FCA3C-FDEB-ED49-B470-7F2621331952}">
+      <dsp:nvSpPr>
+        <dsp:cNvPr id="0" name=""/>
+        <dsp:cNvSpPr/>
+      </dsp:nvSpPr>
+      <dsp:spPr>
+        <a:xfrm>
+          <a:off x="6115053" y="830"/>
+          <a:ext cx="3991782" cy="2395069"/>
+        </a:xfrm>
+        <a:prstGeom prst="rect">
+          <a:avLst/>
+        </a:prstGeom>
+        <a:solidFill>
+          <a:schemeClr val="accent1">
+            <a:hueOff val="0"/>
+            <a:satOff val="0"/>
+            <a:lumOff val="0"/>
+            <a:alphaOff val="0"/>
+          </a:schemeClr>
+        </a:solidFill>
+        <a:ln w="12700" cap="flat" cmpd="sng" algn="ctr">
+          <a:solidFill>
+            <a:schemeClr val="lt1">
+              <a:hueOff val="0"/>
+              <a:satOff val="0"/>
+              <a:lumOff val="0"/>
+              <a:alphaOff val="0"/>
+            </a:schemeClr>
+          </a:solidFill>
+          <a:prstDash val="solid"/>
+          <a:miter lim="800000"/>
+        </a:ln>
+        <a:effectLst/>
+      </dsp:spPr>
+      <dsp:style>
+        <a:lnRef idx="2">
+          <a:scrgbClr r="0" g="0" b="0"/>
+        </a:lnRef>
+        <a:fillRef idx="1">
+          <a:scrgbClr r="0" g="0" b="0"/>
+        </a:fillRef>
+        <a:effectRef idx="0">
+          <a:scrgbClr r="0" g="0" b="0"/>
+        </a:effectRef>
+        <a:fontRef idx="minor">
+          <a:schemeClr val="lt1"/>
+        </a:fontRef>
+      </dsp:style>
+      <dsp:txBody>
+        <a:bodyPr spcFirstLastPara="0" vert="horz" wrap="square" lIns="247650" tIns="247650" rIns="247650" bIns="247650" numCol="1" spcCol="1270" anchor="ctr" anchorCtr="0">
+          <a:noAutofit/>
+        </a:bodyPr>
+        <a:lstStyle/>
+        <a:p>
+          <a:pPr marL="0" lvl="0" indent="0" algn="ctr" defTabSz="2889250">
+            <a:lnSpc>
+              <a:spcPct val="90000"/>
+            </a:lnSpc>
+            <a:spcBef>
+              <a:spcPct val="0"/>
+            </a:spcBef>
+            <a:spcAft>
+              <a:spcPct val="35000"/>
+            </a:spcAft>
+            <a:buNone/>
+          </a:pPr>
+          <a:r>
+            <a:rPr lang="en-US" sz="6500" kern="1200" dirty="0"/>
+            <a:t>Add color filter</a:t>
+          </a:r>
+        </a:p>
+      </dsp:txBody>
+      <dsp:txXfrm>
+        <a:off x="6115053" y="830"/>
+        <a:ext cx="3991782" cy="2395069"/>
+      </dsp:txXfrm>
+    </dsp:sp>
+    <dsp:sp modelId="{97B7E3A0-7BF1-914C-AFFA-A9748B790495}">
+      <dsp:nvSpPr>
+        <dsp:cNvPr id="0" name=""/>
+        <dsp:cNvSpPr/>
+      </dsp:nvSpPr>
+      <dsp:spPr>
+        <a:xfrm>
+          <a:off x="1724092" y="2795078"/>
+          <a:ext cx="3991782" cy="2395069"/>
+        </a:xfrm>
+        <a:prstGeom prst="rect">
+          <a:avLst/>
+        </a:prstGeom>
+        <a:solidFill>
+          <a:schemeClr val="accent1">
+            <a:hueOff val="0"/>
+            <a:satOff val="0"/>
+            <a:lumOff val="0"/>
+            <a:alphaOff val="0"/>
+          </a:schemeClr>
+        </a:solidFill>
+        <a:ln w="12700" cap="flat" cmpd="sng" algn="ctr">
+          <a:solidFill>
+            <a:schemeClr val="lt1">
+              <a:hueOff val="0"/>
+              <a:satOff val="0"/>
+              <a:lumOff val="0"/>
+              <a:alphaOff val="0"/>
+            </a:schemeClr>
+          </a:solidFill>
+          <a:prstDash val="solid"/>
+          <a:miter lim="800000"/>
+        </a:ln>
+        <a:effectLst/>
+      </dsp:spPr>
+      <dsp:style>
+        <a:lnRef idx="2">
+          <a:scrgbClr r="0" g="0" b="0"/>
+        </a:lnRef>
+        <a:fillRef idx="1">
+          <a:scrgbClr r="0" g="0" b="0"/>
+        </a:fillRef>
+        <a:effectRef idx="0">
+          <a:scrgbClr r="0" g="0" b="0"/>
+        </a:effectRef>
+        <a:fontRef idx="minor">
+          <a:schemeClr val="lt1"/>
+        </a:fontRef>
+      </dsp:style>
+      <dsp:txBody>
+        <a:bodyPr spcFirstLastPara="0" vert="horz" wrap="square" lIns="247650" tIns="247650" rIns="247650" bIns="247650" numCol="1" spcCol="1270" anchor="ctr" anchorCtr="0">
+          <a:noAutofit/>
+        </a:bodyPr>
+        <a:lstStyle/>
+        <a:p>
+          <a:pPr marL="0" lvl="0" indent="0" algn="ctr" defTabSz="2889250">
+            <a:lnSpc>
+              <a:spcPct val="90000"/>
+            </a:lnSpc>
+            <a:spcBef>
+              <a:spcPct val="0"/>
+            </a:spcBef>
+            <a:spcAft>
+              <a:spcPct val="35000"/>
+            </a:spcAft>
+            <a:buNone/>
+          </a:pPr>
+          <a:r>
+            <a:rPr lang="en-US" sz="6500" kern="1200" dirty="0"/>
+            <a:t>Filter by text </a:t>
+          </a:r>
+        </a:p>
+      </dsp:txBody>
+      <dsp:txXfrm>
+        <a:off x="1724092" y="2795078"/>
+        <a:ext cx="3991782" cy="2395069"/>
+      </dsp:txXfrm>
+    </dsp:sp>
+    <dsp:sp modelId="{EB053A0E-F20B-2443-B54C-FFF0134EA09E}">
+      <dsp:nvSpPr>
+        <dsp:cNvPr id="0" name=""/>
+        <dsp:cNvSpPr/>
+      </dsp:nvSpPr>
+      <dsp:spPr>
+        <a:xfrm>
+          <a:off x="6115053" y="2795078"/>
+          <a:ext cx="3991782" cy="2395069"/>
+        </a:xfrm>
+        <a:prstGeom prst="rect">
+          <a:avLst/>
+        </a:prstGeom>
+        <a:solidFill>
+          <a:schemeClr val="accent1">
+            <a:hueOff val="0"/>
+            <a:satOff val="0"/>
+            <a:lumOff val="0"/>
+            <a:alphaOff val="0"/>
+          </a:schemeClr>
+        </a:solidFill>
+        <a:ln w="12700" cap="flat" cmpd="sng" algn="ctr">
+          <a:solidFill>
+            <a:schemeClr val="lt1">
+              <a:hueOff val="0"/>
+              <a:satOff val="0"/>
+              <a:lumOff val="0"/>
+              <a:alphaOff val="0"/>
+            </a:schemeClr>
+          </a:solidFill>
+          <a:prstDash val="solid"/>
+          <a:miter lim="800000"/>
+        </a:ln>
+        <a:effectLst/>
+      </dsp:spPr>
+      <dsp:style>
+        <a:lnRef idx="2">
+          <a:scrgbClr r="0" g="0" b="0"/>
+        </a:lnRef>
+        <a:fillRef idx="1">
+          <a:scrgbClr r="0" g="0" b="0"/>
+        </a:fillRef>
+        <a:effectRef idx="0">
+          <a:scrgbClr r="0" g="0" b="0"/>
+        </a:effectRef>
+        <a:fontRef idx="minor">
+          <a:schemeClr val="lt1"/>
+        </a:fontRef>
+      </dsp:style>
+      <dsp:txBody>
+        <a:bodyPr spcFirstLastPara="0" vert="horz" wrap="square" lIns="247650" tIns="247650" rIns="247650" bIns="247650" numCol="1" spcCol="1270" anchor="ctr" anchorCtr="0">
+          <a:noAutofit/>
+        </a:bodyPr>
+        <a:lstStyle/>
+        <a:p>
+          <a:pPr marL="0" lvl="0" indent="0" algn="ctr" defTabSz="2889250">
+            <a:lnSpc>
+              <a:spcPct val="90000"/>
+            </a:lnSpc>
+            <a:spcBef>
+              <a:spcPct val="0"/>
+            </a:spcBef>
+            <a:spcAft>
+              <a:spcPct val="35000"/>
+            </a:spcAft>
+            <a:buNone/>
+          </a:pPr>
+          <a:r>
+            <a:rPr lang="en-US" sz="6500" kern="1200" dirty="0"/>
+            <a:t>Send receipt</a:t>
+          </a:r>
+        </a:p>
+      </dsp:txBody>
+      <dsp:txXfrm>
+        <a:off x="6115053" y="2795078"/>
+        <a:ext cx="3991782" cy="2395069"/>
+      </dsp:txXfrm>
+    </dsp:sp>
+  </dsp:spTree>
+</dsp:drawing>
+</file>
+
 <file path=ppt/diagrams/layout1.xml><?xml version="1.0" encoding="utf-8"?>
 <dgm:layoutDef xmlns:dgm="http://schemas.openxmlformats.org/drawingml/2006/diagram" xmlns:a="http://schemas.openxmlformats.org/drawingml/2006/main" uniqueId="urn:microsoft.com/office/officeart/2005/8/layout/default">
   <dgm:title val=""/>
@@ -1871,7 +3186,1188 @@
 </dgm:layoutDef>
 </file>
 
+<file path=ppt/diagrams/layout2.xml><?xml version="1.0" encoding="utf-8"?>
+<dgm:layoutDef xmlns:dgm="http://schemas.openxmlformats.org/drawingml/2006/diagram" xmlns:a="http://schemas.openxmlformats.org/drawingml/2006/main" uniqueId="urn:microsoft.com/office/officeart/2005/8/layout/default">
+  <dgm:title val=""/>
+  <dgm:desc val=""/>
+  <dgm:catLst>
+    <dgm:cat type="list" pri="400"/>
+  </dgm:catLst>
+  <dgm:sampData>
+    <dgm:dataModel>
+      <dgm:ptLst>
+        <dgm:pt modelId="0" type="doc"/>
+        <dgm:pt modelId="1">
+          <dgm:prSet phldr="1"/>
+        </dgm:pt>
+        <dgm:pt modelId="2">
+          <dgm:prSet phldr="1"/>
+        </dgm:pt>
+        <dgm:pt modelId="3">
+          <dgm:prSet phldr="1"/>
+        </dgm:pt>
+        <dgm:pt modelId="4">
+          <dgm:prSet phldr="1"/>
+        </dgm:pt>
+        <dgm:pt modelId="5">
+          <dgm:prSet phldr="1"/>
+        </dgm:pt>
+      </dgm:ptLst>
+      <dgm:cxnLst>
+        <dgm:cxn modelId="6" srcId="0" destId="1" srcOrd="0" destOrd="0"/>
+        <dgm:cxn modelId="7" srcId="0" destId="2" srcOrd="1" destOrd="0"/>
+        <dgm:cxn modelId="8" srcId="0" destId="3" srcOrd="2" destOrd="0"/>
+        <dgm:cxn modelId="9" srcId="0" destId="4" srcOrd="3" destOrd="0"/>
+        <dgm:cxn modelId="10" srcId="0" destId="5" srcOrd="4" destOrd="0"/>
+      </dgm:cxnLst>
+      <dgm:bg/>
+      <dgm:whole/>
+    </dgm:dataModel>
+  </dgm:sampData>
+  <dgm:styleData>
+    <dgm:dataModel>
+      <dgm:ptLst>
+        <dgm:pt modelId="0" type="doc"/>
+        <dgm:pt modelId="1"/>
+        <dgm:pt modelId="2"/>
+      </dgm:ptLst>
+      <dgm:cxnLst>
+        <dgm:cxn modelId="3" srcId="0" destId="1" srcOrd="0" destOrd="0"/>
+        <dgm:cxn modelId="4" srcId="0" destId="2" srcOrd="1" destOrd="0"/>
+      </dgm:cxnLst>
+      <dgm:bg/>
+      <dgm:whole/>
+    </dgm:dataModel>
+  </dgm:styleData>
+  <dgm:clrData>
+    <dgm:dataModel>
+      <dgm:ptLst>
+        <dgm:pt modelId="0" type="doc"/>
+        <dgm:pt modelId="1"/>
+        <dgm:pt modelId="2"/>
+        <dgm:pt modelId="3"/>
+        <dgm:pt modelId="4"/>
+        <dgm:pt modelId="5"/>
+        <dgm:pt modelId="6"/>
+      </dgm:ptLst>
+      <dgm:cxnLst>
+        <dgm:cxn modelId="7" srcId="0" destId="1" srcOrd="0" destOrd="0"/>
+        <dgm:cxn modelId="8" srcId="0" destId="2" srcOrd="1" destOrd="0"/>
+        <dgm:cxn modelId="9" srcId="0" destId="3" srcOrd="2" destOrd="0"/>
+        <dgm:cxn modelId="10" srcId="0" destId="4" srcOrd="3" destOrd="0"/>
+        <dgm:cxn modelId="11" srcId="0" destId="5" srcOrd="4" destOrd="0"/>
+        <dgm:cxn modelId="12" srcId="0" destId="6" srcOrd="5" destOrd="0"/>
+      </dgm:cxnLst>
+      <dgm:bg/>
+      <dgm:whole/>
+    </dgm:dataModel>
+  </dgm:clrData>
+  <dgm:layoutNode name="diagram">
+    <dgm:varLst>
+      <dgm:dir/>
+      <dgm:resizeHandles val="exact"/>
+    </dgm:varLst>
+    <dgm:choose name="Name0">
+      <dgm:if name="Name1" func="var" arg="dir" op="equ" val="norm">
+        <dgm:alg type="snake">
+          <dgm:param type="grDir" val="tL"/>
+          <dgm:param type="flowDir" val="row"/>
+          <dgm:param type="contDir" val="sameDir"/>
+          <dgm:param type="off" val="ctr"/>
+        </dgm:alg>
+      </dgm:if>
+      <dgm:else name="Name2">
+        <dgm:alg type="snake">
+          <dgm:param type="grDir" val="tR"/>
+          <dgm:param type="flowDir" val="row"/>
+          <dgm:param type="contDir" val="sameDir"/>
+          <dgm:param type="off" val="ctr"/>
+        </dgm:alg>
+      </dgm:else>
+    </dgm:choose>
+    <dgm:shape xmlns:r="http://schemas.openxmlformats.org/officeDocument/2006/relationships" r:blip="">
+      <dgm:adjLst/>
+    </dgm:shape>
+    <dgm:presOf/>
+    <dgm:constrLst>
+      <dgm:constr type="w" for="ch" forName="node" refType="w"/>
+      <dgm:constr type="h" for="ch" forName="node" refType="w" refFor="ch" refForName="node" fact="0.6"/>
+      <dgm:constr type="w" for="ch" forName="sibTrans" refType="w" refFor="ch" refForName="node" fact="0.1"/>
+      <dgm:constr type="sp" refType="w" refFor="ch" refForName="sibTrans"/>
+      <dgm:constr type="primFontSz" for="ch" forName="node" op="equ" val="65"/>
+    </dgm:constrLst>
+    <dgm:ruleLst/>
+    <dgm:forEach name="Name3" axis="ch" ptType="node">
+      <dgm:layoutNode name="node">
+        <dgm:varLst>
+          <dgm:bulletEnabled val="1"/>
+        </dgm:varLst>
+        <dgm:alg type="tx"/>
+        <dgm:shape xmlns:r="http://schemas.openxmlformats.org/officeDocument/2006/relationships" type="rect" r:blip="">
+          <dgm:adjLst/>
+        </dgm:shape>
+        <dgm:presOf axis="desOrSelf" ptType="node"/>
+        <dgm:constrLst>
+          <dgm:constr type="lMarg" refType="primFontSz" fact="0.3"/>
+          <dgm:constr type="rMarg" refType="primFontSz" fact="0.3"/>
+          <dgm:constr type="tMarg" refType="primFontSz" fact="0.3"/>
+          <dgm:constr type="bMarg" refType="primFontSz" fact="0.3"/>
+        </dgm:constrLst>
+        <dgm:ruleLst>
+          <dgm:rule type="primFontSz" val="5" fact="NaN" max="NaN"/>
+        </dgm:ruleLst>
+      </dgm:layoutNode>
+      <dgm:forEach name="Name4" axis="followSib" ptType="sibTrans" cnt="1">
+        <dgm:layoutNode name="sibTrans">
+          <dgm:alg type="sp"/>
+          <dgm:shape xmlns:r="http://schemas.openxmlformats.org/officeDocument/2006/relationships" r:blip="">
+            <dgm:adjLst/>
+          </dgm:shape>
+          <dgm:presOf/>
+          <dgm:constrLst/>
+          <dgm:ruleLst/>
+        </dgm:layoutNode>
+      </dgm:forEach>
+    </dgm:forEach>
+  </dgm:layoutNode>
+</dgm:layoutDef>
+</file>
+
 <file path=ppt/diagrams/quickStyle1.xml><?xml version="1.0" encoding="utf-8"?>
+<dgm:styleDef xmlns:dgm="http://schemas.openxmlformats.org/drawingml/2006/diagram" xmlns:a="http://schemas.openxmlformats.org/drawingml/2006/main" uniqueId="urn:microsoft.com/office/officeart/2005/8/quickstyle/simple1">
+  <dgm:title val=""/>
+  <dgm:desc val=""/>
+  <dgm:catLst>
+    <dgm:cat type="simple" pri="10100"/>
+  </dgm:catLst>
+  <dgm:scene3d>
+    <a:camera prst="orthographicFront"/>
+    <a:lightRig rig="threePt" dir="t"/>
+  </dgm:scene3d>
+  <dgm:styleLbl name="node0">
+    <dgm:scene3d>
+      <a:camera prst="orthographicFront"/>
+      <a:lightRig rig="threePt" dir="t"/>
+    </dgm:scene3d>
+    <dgm:sp3d/>
+    <dgm:txPr/>
+    <dgm:style>
+      <a:lnRef idx="2">
+        <a:scrgbClr r="0" g="0" b="0"/>
+      </a:lnRef>
+      <a:fillRef idx="1">
+        <a:scrgbClr r="0" g="0" b="0"/>
+      </a:fillRef>
+      <a:effectRef idx="0">
+        <a:scrgbClr r="0" g="0" b="0"/>
+      </a:effectRef>
+      <a:fontRef idx="minor">
+        <a:schemeClr val="lt1"/>
+      </a:fontRef>
+    </dgm:style>
+  </dgm:styleLbl>
+  <dgm:styleLbl name="lnNode1">
+    <dgm:scene3d>
+      <a:camera prst="orthographicFront"/>
+      <a:lightRig rig="threePt" dir="t"/>
+    </dgm:scene3d>
+    <dgm:sp3d/>
+    <dgm:txPr/>
+    <dgm:style>
+      <a:lnRef idx="2">
+        <a:scrgbClr r="0" g="0" b="0"/>
+      </a:lnRef>
+      <a:fillRef idx="1">
+        <a:scrgbClr r="0" g="0" b="0"/>
+      </a:fillRef>
+      <a:effectRef idx="0">
+        <a:scrgbClr r="0" g="0" b="0"/>
+      </a:effectRef>
+      <a:fontRef idx="minor">
+        <a:schemeClr val="lt1"/>
+      </a:fontRef>
+    </dgm:style>
+  </dgm:styleLbl>
+  <dgm:styleLbl name="vennNode1">
+    <dgm:scene3d>
+      <a:camera prst="orthographicFront"/>
+      <a:lightRig rig="threePt" dir="t"/>
+    </dgm:scene3d>
+    <dgm:sp3d/>
+    <dgm:txPr/>
+    <dgm:style>
+      <a:lnRef idx="2">
+        <a:scrgbClr r="0" g="0" b="0"/>
+      </a:lnRef>
+      <a:fillRef idx="1">
+        <a:scrgbClr r="0" g="0" b="0"/>
+      </a:fillRef>
+      <a:effectRef idx="0">
+        <a:scrgbClr r="0" g="0" b="0"/>
+      </a:effectRef>
+      <a:fontRef idx="minor">
+        <a:schemeClr val="tx1"/>
+      </a:fontRef>
+    </dgm:style>
+  </dgm:styleLbl>
+  <dgm:styleLbl name="alignNode1">
+    <dgm:scene3d>
+      <a:camera prst="orthographicFront"/>
+      <a:lightRig rig="threePt" dir="t"/>
+    </dgm:scene3d>
+    <dgm:sp3d/>
+    <dgm:txPr/>
+    <dgm:style>
+      <a:lnRef idx="2">
+        <a:scrgbClr r="0" g="0" b="0"/>
+      </a:lnRef>
+      <a:fillRef idx="1">
+        <a:scrgbClr r="0" g="0" b="0"/>
+      </a:fillRef>
+      <a:effectRef idx="0">
+        <a:scrgbClr r="0" g="0" b="0"/>
+      </a:effectRef>
+      <a:fontRef idx="minor">
+        <a:schemeClr val="lt1"/>
+      </a:fontRef>
+    </dgm:style>
+  </dgm:styleLbl>
+  <dgm:styleLbl name="node1">
+    <dgm:scene3d>
+      <a:camera prst="orthographicFront"/>
+      <a:lightRig rig="threePt" dir="t"/>
+    </dgm:scene3d>
+    <dgm:sp3d/>
+    <dgm:txPr/>
+    <dgm:style>
+      <a:lnRef idx="2">
+        <a:scrgbClr r="0" g="0" b="0"/>
+      </a:lnRef>
+      <a:fillRef idx="1">
+        <a:scrgbClr r="0" g="0" b="0"/>
+      </a:fillRef>
+      <a:effectRef idx="0">
+        <a:scrgbClr r="0" g="0" b="0"/>
+      </a:effectRef>
+      <a:fontRef idx="minor">
+        <a:schemeClr val="lt1"/>
+      </a:fontRef>
+    </dgm:style>
+  </dgm:styleLbl>
+  <dgm:styleLbl name="node2">
+    <dgm:scene3d>
+      <a:camera prst="orthographicFront"/>
+      <a:lightRig rig="threePt" dir="t"/>
+    </dgm:scene3d>
+    <dgm:sp3d/>
+    <dgm:txPr/>
+    <dgm:style>
+      <a:lnRef idx="2">
+        <a:scrgbClr r="0" g="0" b="0"/>
+      </a:lnRef>
+      <a:fillRef idx="1">
+        <a:scrgbClr r="0" g="0" b="0"/>
+      </a:fillRef>
+      <a:effectRef idx="0">
+        <a:scrgbClr r="0" g="0" b="0"/>
+      </a:effectRef>
+      <a:fontRef idx="minor">
+        <a:schemeClr val="lt1"/>
+      </a:fontRef>
+    </dgm:style>
+  </dgm:styleLbl>
+  <dgm:styleLbl name="node3">
+    <dgm:scene3d>
+      <a:camera prst="orthographicFront"/>
+      <a:lightRig rig="threePt" dir="t"/>
+    </dgm:scene3d>
+    <dgm:sp3d/>
+    <dgm:txPr/>
+    <dgm:style>
+      <a:lnRef idx="2">
+        <a:scrgbClr r="0" g="0" b="0"/>
+      </a:lnRef>
+      <a:fillRef idx="1">
+        <a:scrgbClr r="0" g="0" b="0"/>
+      </a:fillRef>
+      <a:effectRef idx="0">
+        <a:scrgbClr r="0" g="0" b="0"/>
+      </a:effectRef>
+      <a:fontRef idx="minor">
+        <a:schemeClr val="lt1"/>
+      </a:fontRef>
+    </dgm:style>
+  </dgm:styleLbl>
+  <dgm:styleLbl name="node4">
+    <dgm:scene3d>
+      <a:camera prst="orthographicFront"/>
+      <a:lightRig rig="threePt" dir="t"/>
+    </dgm:scene3d>
+    <dgm:sp3d/>
+    <dgm:txPr/>
+    <dgm:style>
+      <a:lnRef idx="2">
+        <a:scrgbClr r="0" g="0" b="0"/>
+      </a:lnRef>
+      <a:fillRef idx="1">
+        <a:scrgbClr r="0" g="0" b="0"/>
+      </a:fillRef>
+      <a:effectRef idx="0">
+        <a:scrgbClr r="0" g="0" b="0"/>
+      </a:effectRef>
+      <a:fontRef idx="minor">
+        <a:schemeClr val="lt1"/>
+      </a:fontRef>
+    </dgm:style>
+  </dgm:styleLbl>
+  <dgm:styleLbl name="fgImgPlace1">
+    <dgm:scene3d>
+      <a:camera prst="orthographicFront"/>
+      <a:lightRig rig="threePt" dir="t"/>
+    </dgm:scene3d>
+    <dgm:sp3d/>
+    <dgm:txPr/>
+    <dgm:style>
+      <a:lnRef idx="2">
+        <a:scrgbClr r="0" g="0" b="0"/>
+      </a:lnRef>
+      <a:fillRef idx="1">
+        <a:scrgbClr r="0" g="0" b="0"/>
+      </a:fillRef>
+      <a:effectRef idx="0">
+        <a:scrgbClr r="0" g="0" b="0"/>
+      </a:effectRef>
+      <a:fontRef idx="minor"/>
+    </dgm:style>
+  </dgm:styleLbl>
+  <dgm:styleLbl name="alignImgPlace1">
+    <dgm:scene3d>
+      <a:camera prst="orthographicFront"/>
+      <a:lightRig rig="threePt" dir="t"/>
+    </dgm:scene3d>
+    <dgm:sp3d/>
+    <dgm:txPr/>
+    <dgm:style>
+      <a:lnRef idx="2">
+        <a:scrgbClr r="0" g="0" b="0"/>
+      </a:lnRef>
+      <a:fillRef idx="1">
+        <a:scrgbClr r="0" g="0" b="0"/>
+      </a:fillRef>
+      <a:effectRef idx="0">
+        <a:scrgbClr r="0" g="0" b="0"/>
+      </a:effectRef>
+      <a:fontRef idx="minor"/>
+    </dgm:style>
+  </dgm:styleLbl>
+  <dgm:styleLbl name="bgImgPlace1">
+    <dgm:scene3d>
+      <a:camera prst="orthographicFront"/>
+      <a:lightRig rig="threePt" dir="t"/>
+    </dgm:scene3d>
+    <dgm:sp3d/>
+    <dgm:txPr/>
+    <dgm:style>
+      <a:lnRef idx="2">
+        <a:scrgbClr r="0" g="0" b="0"/>
+      </a:lnRef>
+      <a:fillRef idx="1">
+        <a:scrgbClr r="0" g="0" b="0"/>
+      </a:fillRef>
+      <a:effectRef idx="0">
+        <a:scrgbClr r="0" g="0" b="0"/>
+      </a:effectRef>
+      <a:fontRef idx="minor"/>
+    </dgm:style>
+  </dgm:styleLbl>
+  <dgm:styleLbl name="sibTrans2D1">
+    <dgm:scene3d>
+      <a:camera prst="orthographicFront"/>
+      <a:lightRig rig="threePt" dir="t"/>
+    </dgm:scene3d>
+    <dgm:sp3d/>
+    <dgm:txPr/>
+    <dgm:style>
+      <a:lnRef idx="0">
+        <a:scrgbClr r="0" g="0" b="0"/>
+      </a:lnRef>
+      <a:fillRef idx="1">
+        <a:scrgbClr r="0" g="0" b="0"/>
+      </a:fillRef>
+      <a:effectRef idx="0">
+        <a:scrgbClr r="0" g="0" b="0"/>
+      </a:effectRef>
+      <a:fontRef idx="minor">
+        <a:schemeClr val="lt1"/>
+      </a:fontRef>
+    </dgm:style>
+  </dgm:styleLbl>
+  <dgm:styleLbl name="fgSibTrans2D1">
+    <dgm:scene3d>
+      <a:camera prst="orthographicFront"/>
+      <a:lightRig rig="threePt" dir="t"/>
+    </dgm:scene3d>
+    <dgm:sp3d/>
+    <dgm:txPr/>
+    <dgm:style>
+      <a:lnRef idx="0">
+        <a:scrgbClr r="0" g="0" b="0"/>
+      </a:lnRef>
+      <a:fillRef idx="1">
+        <a:scrgbClr r="0" g="0" b="0"/>
+      </a:fillRef>
+      <a:effectRef idx="0">
+        <a:scrgbClr r="0" g="0" b="0"/>
+      </a:effectRef>
+      <a:fontRef idx="minor">
+        <a:schemeClr val="lt1"/>
+      </a:fontRef>
+    </dgm:style>
+  </dgm:styleLbl>
+  <dgm:styleLbl name="bgSibTrans2D1">
+    <dgm:scene3d>
+      <a:camera prst="orthographicFront"/>
+      <a:lightRig rig="threePt" dir="t"/>
+    </dgm:scene3d>
+    <dgm:sp3d/>
+    <dgm:txPr/>
+    <dgm:style>
+      <a:lnRef idx="0">
+        <a:scrgbClr r="0" g="0" b="0"/>
+      </a:lnRef>
+      <a:fillRef idx="1">
+        <a:scrgbClr r="0" g="0" b="0"/>
+      </a:fillRef>
+      <a:effectRef idx="0">
+        <a:scrgbClr r="0" g="0" b="0"/>
+      </a:effectRef>
+      <a:fontRef idx="minor">
+        <a:schemeClr val="lt1"/>
+      </a:fontRef>
+    </dgm:style>
+  </dgm:styleLbl>
+  <dgm:styleLbl name="sibTrans1D1">
+    <dgm:scene3d>
+      <a:camera prst="orthographicFront"/>
+      <a:lightRig rig="threePt" dir="t"/>
+    </dgm:scene3d>
+    <dgm:sp3d/>
+    <dgm:txPr/>
+    <dgm:style>
+      <a:lnRef idx="1">
+        <a:scrgbClr r="0" g="0" b="0"/>
+      </a:lnRef>
+      <a:fillRef idx="0">
+        <a:scrgbClr r="0" g="0" b="0"/>
+      </a:fillRef>
+      <a:effectRef idx="0">
+        <a:scrgbClr r="0" g="0" b="0"/>
+      </a:effectRef>
+      <a:fontRef idx="minor"/>
+    </dgm:style>
+  </dgm:styleLbl>
+  <dgm:styleLbl name="callout">
+    <dgm:scene3d>
+      <a:camera prst="orthographicFront"/>
+      <a:lightRig rig="threePt" dir="t"/>
+    </dgm:scene3d>
+    <dgm:sp3d/>
+    <dgm:txPr/>
+    <dgm:style>
+      <a:lnRef idx="2">
+        <a:scrgbClr r="0" g="0" b="0"/>
+      </a:lnRef>
+      <a:fillRef idx="1">
+        <a:scrgbClr r="0" g="0" b="0"/>
+      </a:fillRef>
+      <a:effectRef idx="0">
+        <a:scrgbClr r="0" g="0" b="0"/>
+      </a:effectRef>
+      <a:fontRef idx="minor"/>
+    </dgm:style>
+  </dgm:styleLbl>
+  <dgm:styleLbl name="asst0">
+    <dgm:scene3d>
+      <a:camera prst="orthographicFront"/>
+      <a:lightRig rig="threePt" dir="t"/>
+    </dgm:scene3d>
+    <dgm:sp3d/>
+    <dgm:txPr/>
+    <dgm:style>
+      <a:lnRef idx="2">
+        <a:scrgbClr r="0" g="0" b="0"/>
+      </a:lnRef>
+      <a:fillRef idx="1">
+        <a:scrgbClr r="0" g="0" b="0"/>
+      </a:fillRef>
+      <a:effectRef idx="0">
+        <a:scrgbClr r="0" g="0" b="0"/>
+      </a:effectRef>
+      <a:fontRef idx="minor">
+        <a:schemeClr val="lt1"/>
+      </a:fontRef>
+    </dgm:style>
+  </dgm:styleLbl>
+  <dgm:styleLbl name="asst1">
+    <dgm:scene3d>
+      <a:camera prst="orthographicFront"/>
+      <a:lightRig rig="threePt" dir="t"/>
+    </dgm:scene3d>
+    <dgm:sp3d/>
+    <dgm:txPr/>
+    <dgm:style>
+      <a:lnRef idx="2">
+        <a:scrgbClr r="0" g="0" b="0"/>
+      </a:lnRef>
+      <a:fillRef idx="1">
+        <a:scrgbClr r="0" g="0" b="0"/>
+      </a:fillRef>
+      <a:effectRef idx="0">
+        <a:scrgbClr r="0" g="0" b="0"/>
+      </a:effectRef>
+      <a:fontRef idx="minor">
+        <a:schemeClr val="lt1"/>
+      </a:fontRef>
+    </dgm:style>
+  </dgm:styleLbl>
+  <dgm:styleLbl name="asst2">
+    <dgm:scene3d>
+      <a:camera prst="orthographicFront"/>
+      <a:lightRig rig="threePt" dir="t"/>
+    </dgm:scene3d>
+    <dgm:sp3d/>
+    <dgm:txPr/>
+    <dgm:style>
+      <a:lnRef idx="2">
+        <a:scrgbClr r="0" g="0" b="0"/>
+      </a:lnRef>
+      <a:fillRef idx="1">
+        <a:scrgbClr r="0" g="0" b="0"/>
+      </a:fillRef>
+      <a:effectRef idx="0">
+        <a:scrgbClr r="0" g="0" b="0"/>
+      </a:effectRef>
+      <a:fontRef idx="minor">
+        <a:schemeClr val="lt1"/>
+      </a:fontRef>
+    </dgm:style>
+  </dgm:styleLbl>
+  <dgm:styleLbl name="asst3">
+    <dgm:scene3d>
+      <a:camera prst="orthographicFront"/>
+      <a:lightRig rig="threePt" dir="t"/>
+    </dgm:scene3d>
+    <dgm:sp3d/>
+    <dgm:txPr/>
+    <dgm:style>
+      <a:lnRef idx="2">
+        <a:scrgbClr r="0" g="0" b="0"/>
+      </a:lnRef>
+      <a:fillRef idx="1">
+        <a:scrgbClr r="0" g="0" b="0"/>
+      </a:fillRef>
+      <a:effectRef idx="0">
+        <a:scrgbClr r="0" g="0" b="0"/>
+      </a:effectRef>
+      <a:fontRef idx="minor">
+        <a:schemeClr val="lt1"/>
+      </a:fontRef>
+    </dgm:style>
+  </dgm:styleLbl>
+  <dgm:styleLbl name="asst4">
+    <dgm:scene3d>
+      <a:camera prst="orthographicFront"/>
+      <a:lightRig rig="threePt" dir="t"/>
+    </dgm:scene3d>
+    <dgm:sp3d/>
+    <dgm:txPr/>
+    <dgm:style>
+      <a:lnRef idx="2">
+        <a:scrgbClr r="0" g="0" b="0"/>
+      </a:lnRef>
+      <a:fillRef idx="1">
+        <a:scrgbClr r="0" g="0" b="0"/>
+      </a:fillRef>
+      <a:effectRef idx="0">
+        <a:scrgbClr r="0" g="0" b="0"/>
+      </a:effectRef>
+      <a:fontRef idx="minor">
+        <a:schemeClr val="lt1"/>
+      </a:fontRef>
+    </dgm:style>
+  </dgm:styleLbl>
+  <dgm:styleLbl name="parChTrans2D1">
+    <dgm:scene3d>
+      <a:camera prst="orthographicFront"/>
+      <a:lightRig rig="threePt" dir="t"/>
+    </dgm:scene3d>
+    <dgm:sp3d/>
+    <dgm:txPr/>
+    <dgm:style>
+      <a:lnRef idx="2">
+        <a:scrgbClr r="0" g="0" b="0"/>
+      </a:lnRef>
+      <a:fillRef idx="1">
+        <a:scrgbClr r="0" g="0" b="0"/>
+      </a:fillRef>
+      <a:effectRef idx="0">
+        <a:scrgbClr r="0" g="0" b="0"/>
+      </a:effectRef>
+      <a:fontRef idx="minor">
+        <a:schemeClr val="lt1"/>
+      </a:fontRef>
+    </dgm:style>
+  </dgm:styleLbl>
+  <dgm:styleLbl name="parChTrans2D2">
+    <dgm:scene3d>
+      <a:camera prst="orthographicFront"/>
+      <a:lightRig rig="threePt" dir="t"/>
+    </dgm:scene3d>
+    <dgm:sp3d/>
+    <dgm:txPr/>
+    <dgm:style>
+      <a:lnRef idx="2">
+        <a:scrgbClr r="0" g="0" b="0"/>
+      </a:lnRef>
+      <a:fillRef idx="1">
+        <a:scrgbClr r="0" g="0" b="0"/>
+      </a:fillRef>
+      <a:effectRef idx="0">
+        <a:scrgbClr r="0" g="0" b="0"/>
+      </a:effectRef>
+      <a:fontRef idx="minor">
+        <a:schemeClr val="lt1"/>
+      </a:fontRef>
+    </dgm:style>
+  </dgm:styleLbl>
+  <dgm:styleLbl name="parChTrans2D3">
+    <dgm:scene3d>
+      <a:camera prst="orthographicFront"/>
+      <a:lightRig rig="threePt" dir="t"/>
+    </dgm:scene3d>
+    <dgm:sp3d/>
+    <dgm:txPr/>
+    <dgm:style>
+      <a:lnRef idx="2">
+        <a:scrgbClr r="0" g="0" b="0"/>
+      </a:lnRef>
+      <a:fillRef idx="1">
+        <a:scrgbClr r="0" g="0" b="0"/>
+      </a:fillRef>
+      <a:effectRef idx="0">
+        <a:scrgbClr r="0" g="0" b="0"/>
+      </a:effectRef>
+      <a:fontRef idx="minor">
+        <a:schemeClr val="lt1"/>
+      </a:fontRef>
+    </dgm:style>
+  </dgm:styleLbl>
+  <dgm:styleLbl name="parChTrans2D4">
+    <dgm:scene3d>
+      <a:camera prst="orthographicFront"/>
+      <a:lightRig rig="threePt" dir="t"/>
+    </dgm:scene3d>
+    <dgm:sp3d/>
+    <dgm:txPr/>
+    <dgm:style>
+      <a:lnRef idx="2">
+        <a:scrgbClr r="0" g="0" b="0"/>
+      </a:lnRef>
+      <a:fillRef idx="1">
+        <a:scrgbClr r="0" g="0" b="0"/>
+      </a:fillRef>
+      <a:effectRef idx="0">
+        <a:scrgbClr r="0" g="0" b="0"/>
+      </a:effectRef>
+      <a:fontRef idx="minor">
+        <a:schemeClr val="lt1"/>
+      </a:fontRef>
+    </dgm:style>
+  </dgm:styleLbl>
+  <dgm:styleLbl name="parChTrans1D1">
+    <dgm:scene3d>
+      <a:camera prst="orthographicFront"/>
+      <a:lightRig rig="threePt" dir="t"/>
+    </dgm:scene3d>
+    <dgm:sp3d/>
+    <dgm:txPr/>
+    <dgm:style>
+      <a:lnRef idx="2">
+        <a:scrgbClr r="0" g="0" b="0"/>
+      </a:lnRef>
+      <a:fillRef idx="0">
+        <a:scrgbClr r="0" g="0" b="0"/>
+      </a:fillRef>
+      <a:effectRef idx="0">
+        <a:scrgbClr r="0" g="0" b="0"/>
+      </a:effectRef>
+      <a:fontRef idx="minor"/>
+    </dgm:style>
+  </dgm:styleLbl>
+  <dgm:styleLbl name="parChTrans1D2">
+    <dgm:scene3d>
+      <a:camera prst="orthographicFront"/>
+      <a:lightRig rig="threePt" dir="t"/>
+    </dgm:scene3d>
+    <dgm:sp3d/>
+    <dgm:txPr/>
+    <dgm:style>
+      <a:lnRef idx="2">
+        <a:scrgbClr r="0" g="0" b="0"/>
+      </a:lnRef>
+      <a:fillRef idx="0">
+        <a:scrgbClr r="0" g="0" b="0"/>
+      </a:fillRef>
+      <a:effectRef idx="0">
+        <a:scrgbClr r="0" g="0" b="0"/>
+      </a:effectRef>
+      <a:fontRef idx="minor"/>
+    </dgm:style>
+  </dgm:styleLbl>
+  <dgm:styleLbl name="parChTrans1D3">
+    <dgm:scene3d>
+      <a:camera prst="orthographicFront"/>
+      <a:lightRig rig="threePt" dir="t"/>
+    </dgm:scene3d>
+    <dgm:sp3d/>
+    <dgm:txPr/>
+    <dgm:style>
+      <a:lnRef idx="2">
+        <a:scrgbClr r="0" g="0" b="0"/>
+      </a:lnRef>
+      <a:fillRef idx="0">
+        <a:scrgbClr r="0" g="0" b="0"/>
+      </a:fillRef>
+      <a:effectRef idx="0">
+        <a:scrgbClr r="0" g="0" b="0"/>
+      </a:effectRef>
+      <a:fontRef idx="minor"/>
+    </dgm:style>
+  </dgm:styleLbl>
+  <dgm:styleLbl name="parChTrans1D4">
+    <dgm:scene3d>
+      <a:camera prst="orthographicFront"/>
+      <a:lightRig rig="threePt" dir="t"/>
+    </dgm:scene3d>
+    <dgm:sp3d/>
+    <dgm:txPr/>
+    <dgm:style>
+      <a:lnRef idx="2">
+        <a:scrgbClr r="0" g="0" b="0"/>
+      </a:lnRef>
+      <a:fillRef idx="0">
+        <a:scrgbClr r="0" g="0" b="0"/>
+      </a:fillRef>
+      <a:effectRef idx="0">
+        <a:scrgbClr r="0" g="0" b="0"/>
+      </a:effectRef>
+      <a:fontRef idx="minor"/>
+    </dgm:style>
+  </dgm:styleLbl>
+  <dgm:styleLbl name="fgAcc1">
+    <dgm:scene3d>
+      <a:camera prst="orthographicFront"/>
+      <a:lightRig rig="threePt" dir="t"/>
+    </dgm:scene3d>
+    <dgm:sp3d/>
+    <dgm:txPr/>
+    <dgm:style>
+      <a:lnRef idx="2">
+        <a:scrgbClr r="0" g="0" b="0"/>
+      </a:lnRef>
+      <a:fillRef idx="1">
+        <a:scrgbClr r="0" g="0" b="0"/>
+      </a:fillRef>
+      <a:effectRef idx="0">
+        <a:scrgbClr r="0" g="0" b="0"/>
+      </a:effectRef>
+      <a:fontRef idx="minor"/>
+    </dgm:style>
+  </dgm:styleLbl>
+  <dgm:styleLbl name="conFgAcc1">
+    <dgm:scene3d>
+      <a:camera prst="orthographicFront"/>
+      <a:lightRig rig="threePt" dir="t"/>
+    </dgm:scene3d>
+    <dgm:sp3d/>
+    <dgm:txPr/>
+    <dgm:style>
+      <a:lnRef idx="2">
+        <a:scrgbClr r="0" g="0" b="0"/>
+      </a:lnRef>
+      <a:fillRef idx="1">
+        <a:scrgbClr r="0" g="0" b="0"/>
+      </a:fillRef>
+      <a:effectRef idx="0">
+        <a:scrgbClr r="0" g="0" b="0"/>
+      </a:effectRef>
+      <a:fontRef idx="minor"/>
+    </dgm:style>
+  </dgm:styleLbl>
+  <dgm:styleLbl name="alignAcc1">
+    <dgm:scene3d>
+      <a:camera prst="orthographicFront"/>
+      <a:lightRig rig="threePt" dir="t"/>
+    </dgm:scene3d>
+    <dgm:sp3d/>
+    <dgm:txPr/>
+    <dgm:style>
+      <a:lnRef idx="2">
+        <a:scrgbClr r="0" g="0" b="0"/>
+      </a:lnRef>
+      <a:fillRef idx="1">
+        <a:scrgbClr r="0" g="0" b="0"/>
+      </a:fillRef>
+      <a:effectRef idx="0">
+        <a:scrgbClr r="0" g="0" b="0"/>
+      </a:effectRef>
+      <a:fontRef idx="minor"/>
+    </dgm:style>
+  </dgm:styleLbl>
+  <dgm:styleLbl name="trAlignAcc1">
+    <dgm:scene3d>
+      <a:camera prst="orthographicFront"/>
+      <a:lightRig rig="threePt" dir="t"/>
+    </dgm:scene3d>
+    <dgm:sp3d/>
+    <dgm:txPr/>
+    <dgm:style>
+      <a:lnRef idx="1">
+        <a:scrgbClr r="0" g="0" b="0"/>
+      </a:lnRef>
+      <a:fillRef idx="1">
+        <a:scrgbClr r="0" g="0" b="0"/>
+      </a:fillRef>
+      <a:effectRef idx="0">
+        <a:scrgbClr r="0" g="0" b="0"/>
+      </a:effectRef>
+      <a:fontRef idx="minor"/>
+    </dgm:style>
+  </dgm:styleLbl>
+  <dgm:styleLbl name="bgAcc1">
+    <dgm:scene3d>
+      <a:camera prst="orthographicFront"/>
+      <a:lightRig rig="threePt" dir="t"/>
+    </dgm:scene3d>
+    <dgm:sp3d/>
+    <dgm:txPr/>
+    <dgm:style>
+      <a:lnRef idx="2">
+        <a:scrgbClr r="0" g="0" b="0"/>
+      </a:lnRef>
+      <a:fillRef idx="1">
+        <a:scrgbClr r="0" g="0" b="0"/>
+      </a:fillRef>
+      <a:effectRef idx="0">
+        <a:scrgbClr r="0" g="0" b="0"/>
+      </a:effectRef>
+      <a:fontRef idx="minor"/>
+    </dgm:style>
+  </dgm:styleLbl>
+  <dgm:styleLbl name="solidFgAcc1">
+    <dgm:scene3d>
+      <a:camera prst="orthographicFront"/>
+      <a:lightRig rig="threePt" dir="t"/>
+    </dgm:scene3d>
+    <dgm:sp3d/>
+    <dgm:txPr/>
+    <dgm:style>
+      <a:lnRef idx="2">
+        <a:scrgbClr r="0" g="0" b="0"/>
+      </a:lnRef>
+      <a:fillRef idx="1">
+        <a:scrgbClr r="0" g="0" b="0"/>
+      </a:fillRef>
+      <a:effectRef idx="0">
+        <a:scrgbClr r="0" g="0" b="0"/>
+      </a:effectRef>
+      <a:fontRef idx="minor"/>
+    </dgm:style>
+  </dgm:styleLbl>
+  <dgm:styleLbl name="solidAlignAcc1">
+    <dgm:scene3d>
+      <a:camera prst="orthographicFront"/>
+      <a:lightRig rig="threePt" dir="t"/>
+    </dgm:scene3d>
+    <dgm:sp3d/>
+    <dgm:txPr/>
+    <dgm:style>
+      <a:lnRef idx="2">
+        <a:scrgbClr r="0" g="0" b="0"/>
+      </a:lnRef>
+      <a:fillRef idx="1">
+        <a:scrgbClr r="0" g="0" b="0"/>
+      </a:fillRef>
+      <a:effectRef idx="0">
+        <a:scrgbClr r="0" g="0" b="0"/>
+      </a:effectRef>
+      <a:fontRef idx="minor"/>
+    </dgm:style>
+  </dgm:styleLbl>
+  <dgm:styleLbl name="solidBgAcc1">
+    <dgm:scene3d>
+      <a:camera prst="orthographicFront"/>
+      <a:lightRig rig="threePt" dir="t"/>
+    </dgm:scene3d>
+    <dgm:sp3d/>
+    <dgm:txPr/>
+    <dgm:style>
+      <a:lnRef idx="2">
+        <a:scrgbClr r="0" g="0" b="0"/>
+      </a:lnRef>
+      <a:fillRef idx="1">
+        <a:scrgbClr r="0" g="0" b="0"/>
+      </a:fillRef>
+      <a:effectRef idx="0">
+        <a:scrgbClr r="0" g="0" b="0"/>
+      </a:effectRef>
+      <a:fontRef idx="minor"/>
+    </dgm:style>
+  </dgm:styleLbl>
+  <dgm:styleLbl name="fgAccFollowNode1">
+    <dgm:scene3d>
+      <a:camera prst="orthographicFront"/>
+      <a:lightRig rig="threePt" dir="t"/>
+    </dgm:scene3d>
+    <dgm:sp3d/>
+    <dgm:txPr/>
+    <dgm:style>
+      <a:lnRef idx="2">
+        <a:scrgbClr r="0" g="0" b="0"/>
+      </a:lnRef>
+      <a:fillRef idx="1">
+        <a:scrgbClr r="0" g="0" b="0"/>
+      </a:fillRef>
+      <a:effectRef idx="0">
+        <a:scrgbClr r="0" g="0" b="0"/>
+      </a:effectRef>
+      <a:fontRef idx="minor"/>
+    </dgm:style>
+  </dgm:styleLbl>
+  <dgm:styleLbl name="alignAccFollowNode1">
+    <dgm:scene3d>
+      <a:camera prst="orthographicFront"/>
+      <a:lightRig rig="threePt" dir="t"/>
+    </dgm:scene3d>
+    <dgm:sp3d/>
+    <dgm:txPr/>
+    <dgm:style>
+      <a:lnRef idx="2">
+        <a:scrgbClr r="0" g="0" b="0"/>
+      </a:lnRef>
+      <a:fillRef idx="1">
+        <a:scrgbClr r="0" g="0" b="0"/>
+      </a:fillRef>
+      <a:effectRef idx="0">
+        <a:scrgbClr r="0" g="0" b="0"/>
+      </a:effectRef>
+      <a:fontRef idx="minor"/>
+    </dgm:style>
+  </dgm:styleLbl>
+  <dgm:styleLbl name="bgAccFollowNode1">
+    <dgm:scene3d>
+      <a:camera prst="orthographicFront"/>
+      <a:lightRig rig="threePt" dir="t"/>
+    </dgm:scene3d>
+    <dgm:sp3d/>
+    <dgm:txPr/>
+    <dgm:style>
+      <a:lnRef idx="2">
+        <a:scrgbClr r="0" g="0" b="0"/>
+      </a:lnRef>
+      <a:fillRef idx="1">
+        <a:scrgbClr r="0" g="0" b="0"/>
+      </a:fillRef>
+      <a:effectRef idx="0">
+        <a:scrgbClr r="0" g="0" b="0"/>
+      </a:effectRef>
+      <a:fontRef idx="minor"/>
+    </dgm:style>
+  </dgm:styleLbl>
+  <dgm:styleLbl name="fgAcc0">
+    <dgm:scene3d>
+      <a:camera prst="orthographicFront"/>
+      <a:lightRig rig="threePt" dir="t"/>
+    </dgm:scene3d>
+    <dgm:sp3d/>
+    <dgm:txPr/>
+    <dgm:style>
+      <a:lnRef idx="2">
+        <a:scrgbClr r="0" g="0" b="0"/>
+      </a:lnRef>
+      <a:fillRef idx="1">
+        <a:scrgbClr r="0" g="0" b="0"/>
+      </a:fillRef>
+      <a:effectRef idx="0">
+        <a:scrgbClr r="0" g="0" b="0"/>
+      </a:effectRef>
+      <a:fontRef idx="minor"/>
+    </dgm:style>
+  </dgm:styleLbl>
+  <dgm:styleLbl name="fgAcc2">
+    <dgm:scene3d>
+      <a:camera prst="orthographicFront"/>
+      <a:lightRig rig="threePt" dir="t"/>
+    </dgm:scene3d>
+    <dgm:sp3d/>
+    <dgm:txPr/>
+    <dgm:style>
+      <a:lnRef idx="2">
+        <a:scrgbClr r="0" g="0" b="0"/>
+      </a:lnRef>
+      <a:fillRef idx="1">
+        <a:scrgbClr r="0" g="0" b="0"/>
+      </a:fillRef>
+      <a:effectRef idx="0">
+        <a:scrgbClr r="0" g="0" b="0"/>
+      </a:effectRef>
+      <a:fontRef idx="minor"/>
+    </dgm:style>
+  </dgm:styleLbl>
+  <dgm:styleLbl name="fgAcc3">
+    <dgm:scene3d>
+      <a:camera prst="orthographicFront"/>
+      <a:lightRig rig="threePt" dir="t"/>
+    </dgm:scene3d>
+    <dgm:sp3d/>
+    <dgm:txPr/>
+    <dgm:style>
+      <a:lnRef idx="2">
+        <a:scrgbClr r="0" g="0" b="0"/>
+      </a:lnRef>
+      <a:fillRef idx="1">
+        <a:scrgbClr r="0" g="0" b="0"/>
+      </a:fillRef>
+      <a:effectRef idx="0">
+        <a:scrgbClr r="0" g="0" b="0"/>
+      </a:effectRef>
+      <a:fontRef idx="minor"/>
+    </dgm:style>
+  </dgm:styleLbl>
+  <dgm:styleLbl name="fgAcc4">
+    <dgm:scene3d>
+      <a:camera prst="orthographicFront"/>
+      <a:lightRig rig="threePt" dir="t"/>
+    </dgm:scene3d>
+    <dgm:sp3d/>
+    <dgm:txPr/>
+    <dgm:style>
+      <a:lnRef idx="2">
+        <a:scrgbClr r="0" g="0" b="0"/>
+      </a:lnRef>
+      <a:fillRef idx="1">
+        <a:scrgbClr r="0" g="0" b="0"/>
+      </a:fillRef>
+      <a:effectRef idx="0">
+        <a:scrgbClr r="0" g="0" b="0"/>
+      </a:effectRef>
+      <a:fontRef idx="minor"/>
+    </dgm:style>
+  </dgm:styleLbl>
+  <dgm:styleLbl name="bgShp">
+    <dgm:scene3d>
+      <a:camera prst="orthographicFront"/>
+      <a:lightRig rig="threePt" dir="t"/>
+    </dgm:scene3d>
+    <dgm:sp3d/>
+    <dgm:txPr/>
+    <dgm:style>
+      <a:lnRef idx="0">
+        <a:scrgbClr r="0" g="0" b="0"/>
+      </a:lnRef>
+      <a:fillRef idx="1">
+        <a:scrgbClr r="0" g="0" b="0"/>
+      </a:fillRef>
+      <a:effectRef idx="0">
+        <a:scrgbClr r="0" g="0" b="0"/>
+      </a:effectRef>
+      <a:fontRef idx="minor"/>
+    </dgm:style>
+  </dgm:styleLbl>
+  <dgm:styleLbl name="dkBgShp">
+    <dgm:scene3d>
+      <a:camera prst="orthographicFront"/>
+      <a:lightRig rig="threePt" dir="t"/>
+    </dgm:scene3d>
+    <dgm:sp3d/>
+    <dgm:txPr/>
+    <dgm:style>
+      <a:lnRef idx="0">
+        <a:scrgbClr r="0" g="0" b="0"/>
+      </a:lnRef>
+      <a:fillRef idx="1">
+        <a:scrgbClr r="0" g="0" b="0"/>
+      </a:fillRef>
+      <a:effectRef idx="0">
+        <a:scrgbClr r="0" g="0" b="0"/>
+      </a:effectRef>
+      <a:fontRef idx="minor"/>
+    </dgm:style>
+  </dgm:styleLbl>
+  <dgm:styleLbl name="trBgShp">
+    <dgm:scene3d>
+      <a:camera prst="orthographicFront"/>
+      <a:lightRig rig="threePt" dir="t"/>
+    </dgm:scene3d>
+    <dgm:sp3d/>
+    <dgm:txPr/>
+    <dgm:style>
+      <a:lnRef idx="0">
+        <a:scrgbClr r="0" g="0" b="0"/>
+      </a:lnRef>
+      <a:fillRef idx="1">
+        <a:scrgbClr r="0" g="0" b="0"/>
+      </a:fillRef>
+      <a:effectRef idx="0">
+        <a:scrgbClr r="0" g="0" b="0"/>
+      </a:effectRef>
+      <a:fontRef idx="minor"/>
+    </dgm:style>
+  </dgm:styleLbl>
+  <dgm:styleLbl name="fgShp">
+    <dgm:scene3d>
+      <a:camera prst="orthographicFront"/>
+      <a:lightRig rig="threePt" dir="t"/>
+    </dgm:scene3d>
+    <dgm:sp3d/>
+    <dgm:txPr/>
+    <dgm:style>
+      <a:lnRef idx="2">
+        <a:scrgbClr r="0" g="0" b="0"/>
+      </a:lnRef>
+      <a:fillRef idx="1">
+        <a:scrgbClr r="0" g="0" b="0"/>
+      </a:fillRef>
+      <a:effectRef idx="0">
+        <a:scrgbClr r="0" g="0" b="0"/>
+      </a:effectRef>
+      <a:fontRef idx="minor"/>
+    </dgm:style>
+  </dgm:styleLbl>
+  <dgm:styleLbl name="revTx">
+    <dgm:scene3d>
+      <a:camera prst="orthographicFront"/>
+      <a:lightRig rig="threePt" dir="t"/>
+    </dgm:scene3d>
+    <dgm:sp3d/>
+    <dgm:txPr/>
+    <dgm:style>
+      <a:lnRef idx="0">
+        <a:scrgbClr r="0" g="0" b="0"/>
+      </a:lnRef>
+      <a:fillRef idx="0">
+        <a:scrgbClr r="0" g="0" b="0"/>
+      </a:fillRef>
+      <a:effectRef idx="0">
+        <a:scrgbClr r="0" g="0" b="0"/>
+      </a:effectRef>
+      <a:fontRef idx="minor"/>
+    </dgm:style>
+  </dgm:styleLbl>
+</dgm:styleDef>
+</file>
+
+<file path=ppt/diagrams/quickStyle2.xml><?xml version="1.0" encoding="utf-8"?>
 <dgm:styleDef xmlns:dgm="http://schemas.openxmlformats.org/drawingml/2006/diagram" xmlns:a="http://schemas.openxmlformats.org/drawingml/2006/main" uniqueId="urn:microsoft.com/office/officeart/2005/8/quickstyle/simple1">
   <dgm:title val=""/>
   <dgm:desc val=""/>
@@ -3418,6 +5914,174 @@
     <p:extLst>
       <p:ext uri="{BB962C8B-B14F-4D97-AF65-F5344CB8AC3E}">
         <p14:creationId xmlns:p14="http://schemas.microsoft.com/office/powerpoint/2010/main" val="1772019542"/>
+      </p:ext>
+    </p:extLst>
+  </p:cSld>
+  <p:clrMapOvr>
+    <a:masterClrMapping/>
+  </p:clrMapOvr>
+</p:notes>
+</file>
+
+<file path=ppt/notesSlides/notesSlide3.xml><?xml version="1.0" encoding="utf-8"?>
+<p:notes xmlns:a="http://schemas.openxmlformats.org/drawingml/2006/main" xmlns:r="http://schemas.openxmlformats.org/officeDocument/2006/relationships" xmlns:p="http://schemas.openxmlformats.org/presentationml/2006/main">
+  <p:cSld>
+    <p:spTree>
+      <p:nvGrpSpPr>
+        <p:cNvPr id="1" name=""/>
+        <p:cNvGrpSpPr/>
+        <p:nvPr/>
+      </p:nvGrpSpPr>
+      <p:grpSpPr>
+        <a:xfrm>
+          <a:off x="0" y="0"/>
+          <a:ext cx="0" cy="0"/>
+          <a:chOff x="0" y="0"/>
+          <a:chExt cx="0" cy="0"/>
+        </a:xfrm>
+      </p:grpSpPr>
+      <p:sp>
+        <p:nvSpPr>
+          <p:cNvPr id="2" name="Slide Image Placeholder 1"/>
+          <p:cNvSpPr>
+            <a:spLocks noGrp="1" noRot="1" noChangeAspect="1"/>
+          </p:cNvSpPr>
+          <p:nvPr>
+            <p:ph type="sldImg"/>
+          </p:nvPr>
+        </p:nvSpPr>
+        <p:spPr/>
+      </p:sp>
+      <p:sp>
+        <p:nvSpPr>
+          <p:cNvPr id="3" name="Notes Placeholder 2"/>
+          <p:cNvSpPr>
+            <a:spLocks noGrp="1"/>
+          </p:cNvSpPr>
+          <p:nvPr>
+            <p:ph type="body" idx="1"/>
+          </p:nvPr>
+        </p:nvSpPr>
+        <p:spPr/>
+        <p:txBody>
+          <a:bodyPr/>
+          <a:lstStyle/>
+          <a:p>
+            <a:endParaRPr lang="en-US"/>
+          </a:p>
+        </p:txBody>
+      </p:sp>
+      <p:sp>
+        <p:nvSpPr>
+          <p:cNvPr id="4" name="Slide Number Placeholder 3"/>
+          <p:cNvSpPr>
+            <a:spLocks noGrp="1"/>
+          </p:cNvSpPr>
+          <p:nvPr>
+            <p:ph type="sldNum" sz="quarter" idx="10"/>
+          </p:nvPr>
+        </p:nvSpPr>
+        <p:spPr/>
+        <p:txBody>
+          <a:bodyPr/>
+          <a:lstStyle/>
+          <a:p>
+            <a:fld id="{DF61EA0F-A667-4B49-8422-0062BC55E249}" type="slidenum">
+              <a:rPr lang="en-US" smtClean="0"/>
+              <a:t>3</a:t>
+            </a:fld>
+            <a:endParaRPr lang="en-US"/>
+          </a:p>
+        </p:txBody>
+      </p:sp>
+    </p:spTree>
+    <p:extLst>
+      <p:ext uri="{BB962C8B-B14F-4D97-AF65-F5344CB8AC3E}">
+        <p14:creationId xmlns:p14="http://schemas.microsoft.com/office/powerpoint/2010/main" val="3689887532"/>
+      </p:ext>
+    </p:extLst>
+  </p:cSld>
+  <p:clrMapOvr>
+    <a:masterClrMapping/>
+  </p:clrMapOvr>
+</p:notes>
+</file>
+
+<file path=ppt/notesSlides/notesSlide4.xml><?xml version="1.0" encoding="utf-8"?>
+<p:notes xmlns:a="http://schemas.openxmlformats.org/drawingml/2006/main" xmlns:r="http://schemas.openxmlformats.org/officeDocument/2006/relationships" xmlns:p="http://schemas.openxmlformats.org/presentationml/2006/main">
+  <p:cSld>
+    <p:spTree>
+      <p:nvGrpSpPr>
+        <p:cNvPr id="1" name=""/>
+        <p:cNvGrpSpPr/>
+        <p:nvPr/>
+      </p:nvGrpSpPr>
+      <p:grpSpPr>
+        <a:xfrm>
+          <a:off x="0" y="0"/>
+          <a:ext cx="0" cy="0"/>
+          <a:chOff x="0" y="0"/>
+          <a:chExt cx="0" cy="0"/>
+        </a:xfrm>
+      </p:grpSpPr>
+      <p:sp>
+        <p:nvSpPr>
+          <p:cNvPr id="2" name="Slide Image Placeholder 1"/>
+          <p:cNvSpPr>
+            <a:spLocks noGrp="1" noRot="1" noChangeAspect="1"/>
+          </p:cNvSpPr>
+          <p:nvPr>
+            <p:ph type="sldImg"/>
+          </p:nvPr>
+        </p:nvSpPr>
+        <p:spPr/>
+      </p:sp>
+      <p:sp>
+        <p:nvSpPr>
+          <p:cNvPr id="3" name="Notes Placeholder 2"/>
+          <p:cNvSpPr>
+            <a:spLocks noGrp="1"/>
+          </p:cNvSpPr>
+          <p:nvPr>
+            <p:ph type="body" idx="1"/>
+          </p:nvPr>
+        </p:nvSpPr>
+        <p:spPr/>
+        <p:txBody>
+          <a:bodyPr/>
+          <a:lstStyle/>
+          <a:p>
+            <a:endParaRPr lang="en-US"/>
+          </a:p>
+        </p:txBody>
+      </p:sp>
+      <p:sp>
+        <p:nvSpPr>
+          <p:cNvPr id="4" name="Slide Number Placeholder 3"/>
+          <p:cNvSpPr>
+            <a:spLocks noGrp="1"/>
+          </p:cNvSpPr>
+          <p:nvPr>
+            <p:ph type="sldNum" sz="quarter" idx="10"/>
+          </p:nvPr>
+        </p:nvSpPr>
+        <p:spPr/>
+        <p:txBody>
+          <a:bodyPr/>
+          <a:lstStyle/>
+          <a:p>
+            <a:fld id="{DF61EA0F-A667-4B49-8422-0062BC55E249}" type="slidenum">
+              <a:rPr lang="en-US" smtClean="0"/>
+              <a:t>4</a:t>
+            </a:fld>
+            <a:endParaRPr lang="en-US"/>
+          </a:p>
+        </p:txBody>
+      </p:sp>
+    </p:spTree>
+    <p:extLst>
+      <p:ext uri="{BB962C8B-B14F-4D97-AF65-F5344CB8AC3E}">
+        <p14:creationId xmlns:p14="http://schemas.microsoft.com/office/powerpoint/2010/main" val="1005881204"/>
       </p:ext>
     </p:extLst>
   </p:cSld>
@@ -4648,6 +7312,190 @@
 </p:sld>
 </file>
 
+<file path=ppt/slides/slide3.xml><?xml version="1.0" encoding="utf-8"?>
+<p:sld xmlns:a="http://schemas.openxmlformats.org/drawingml/2006/main" xmlns:r="http://schemas.openxmlformats.org/officeDocument/2006/relationships" xmlns:p="http://schemas.openxmlformats.org/presentationml/2006/main">
+  <p:cSld>
+    <p:spTree>
+      <p:nvGrpSpPr>
+        <p:cNvPr id="1" name=""/>
+        <p:cNvGrpSpPr/>
+        <p:nvPr/>
+      </p:nvGrpSpPr>
+      <p:grpSpPr>
+        <a:xfrm>
+          <a:off x="0" y="0"/>
+          <a:ext cx="0" cy="0"/>
+          <a:chOff x="0" y="0"/>
+          <a:chExt cx="0" cy="0"/>
+        </a:xfrm>
+      </p:grpSpPr>
+      <p:sp>
+        <p:nvSpPr>
+          <p:cNvPr id="2" name="Title 1"/>
+          <p:cNvSpPr>
+            <a:spLocks noGrp="1"/>
+          </p:cNvSpPr>
+          <p:nvPr>
+            <p:ph type="title"/>
+          </p:nvPr>
+        </p:nvSpPr>
+        <p:spPr/>
+        <p:txBody>
+          <a:bodyPr>
+            <a:normAutofit/>
+          </a:bodyPr>
+          <a:lstStyle/>
+          <a:p>
+            <a:br>
+              <a:rPr lang="en-US" sz="3400" dirty="0">
+                <a:latin typeface="Arial" panose="020B0604020202020204" pitchFamily="34" charset="0"/>
+                <a:cs typeface="Arial" panose="020B0604020202020204" pitchFamily="34" charset="0"/>
+              </a:rPr>
+            </a:br>
+            <a:r>
+              <a:rPr lang="en-US" sz="3400" dirty="0">
+                <a:latin typeface="Arial" panose="020B0604020202020204" pitchFamily="34" charset="0"/>
+                <a:cs typeface="Arial" panose="020B0604020202020204" pitchFamily="34" charset="0"/>
+              </a:rPr>
+              <a:t>To improve</a:t>
+            </a:r>
+          </a:p>
+        </p:txBody>
+      </p:sp>
+      <p:graphicFrame>
+        <p:nvGraphicFramePr>
+          <p:cNvPr id="4" name="Diagram 3">
+            <a:extLst>
+              <a:ext uri="{FF2B5EF4-FFF2-40B4-BE49-F238E27FC236}">
+                <a16:creationId xmlns:a16="http://schemas.microsoft.com/office/drawing/2014/main" id="{59EA85BD-F7E4-C944-BB4B-1ABFC7AC7293}"/>
+              </a:ext>
+            </a:extLst>
+          </p:cNvPr>
+          <p:cNvGraphicFramePr/>
+          <p:nvPr>
+            <p:extLst>
+              <p:ext uri="{D42A27DB-BD31-4B8C-83A1-F6EECF244321}">
+                <p14:modId xmlns:p14="http://schemas.microsoft.com/office/powerpoint/2010/main" val="1627252952"/>
+              </p:ext>
+            </p:extLst>
+          </p:nvPr>
+        </p:nvGraphicFramePr>
+        <p:xfrm>
+          <a:off x="182881" y="1477108"/>
+          <a:ext cx="11830928" cy="5190978"/>
+        </p:xfrm>
+        <a:graphic>
+          <a:graphicData uri="http://schemas.openxmlformats.org/drawingml/2006/diagram">
+            <dgm:relIds xmlns:dgm="http://schemas.openxmlformats.org/drawingml/2006/diagram" xmlns:r="http://schemas.openxmlformats.org/officeDocument/2006/relationships" r:dm="rId3" r:lo="rId4" r:qs="rId5" r:cs="rId6"/>
+          </a:graphicData>
+        </a:graphic>
+      </p:graphicFrame>
+    </p:spTree>
+    <p:extLst>
+      <p:ext uri="{BB962C8B-B14F-4D97-AF65-F5344CB8AC3E}">
+        <p14:creationId xmlns:p14="http://schemas.microsoft.com/office/powerpoint/2010/main" val="4427664"/>
+      </p:ext>
+    </p:extLst>
+  </p:cSld>
+  <p:clrMapOvr>
+    <a:masterClrMapping/>
+  </p:clrMapOvr>
+</p:sld>
+</file>
+
+<file path=ppt/slides/slide4.xml><?xml version="1.0" encoding="utf-8"?>
+<p:sld xmlns:a="http://schemas.openxmlformats.org/drawingml/2006/main" xmlns:r="http://schemas.openxmlformats.org/officeDocument/2006/relationships" xmlns:p="http://schemas.openxmlformats.org/presentationml/2006/main">
+  <p:cSld>
+    <p:spTree>
+      <p:nvGrpSpPr>
+        <p:cNvPr id="1" name=""/>
+        <p:cNvGrpSpPr/>
+        <p:nvPr/>
+      </p:nvGrpSpPr>
+      <p:grpSpPr>
+        <a:xfrm>
+          <a:off x="0" y="0"/>
+          <a:ext cx="0" cy="0"/>
+          <a:chOff x="0" y="0"/>
+          <a:chExt cx="0" cy="0"/>
+        </a:xfrm>
+      </p:grpSpPr>
+      <p:sp>
+        <p:nvSpPr>
+          <p:cNvPr id="2" name="Title 1"/>
+          <p:cNvSpPr>
+            <a:spLocks noGrp="1"/>
+          </p:cNvSpPr>
+          <p:nvPr>
+            <p:ph type="title"/>
+          </p:nvPr>
+        </p:nvSpPr>
+        <p:spPr/>
+        <p:txBody>
+          <a:bodyPr>
+            <a:normAutofit/>
+          </a:bodyPr>
+          <a:lstStyle/>
+          <a:p>
+            <a:r>
+              <a:rPr lang="en-US" sz="3400" dirty="0">
+                <a:latin typeface="Arial" panose="020B0604020202020204" pitchFamily="34" charset="0"/>
+                <a:cs typeface="Arial" panose="020B0604020202020204" pitchFamily="34" charset="0"/>
+              </a:rPr>
+              <a:t>Questions</a:t>
+            </a:r>
+          </a:p>
+        </p:txBody>
+      </p:sp>
+      <p:sp>
+        <p:nvSpPr>
+          <p:cNvPr id="3" name="TextBox 2">
+            <a:extLst>
+              <a:ext uri="{FF2B5EF4-FFF2-40B4-BE49-F238E27FC236}">
+                <a16:creationId xmlns:a16="http://schemas.microsoft.com/office/drawing/2014/main" id="{CFBA2C39-08B7-6842-8385-AA64307AEDC5}"/>
+              </a:ext>
+            </a:extLst>
+          </p:cNvPr>
+          <p:cNvSpPr txBox="1"/>
+          <p:nvPr/>
+        </p:nvSpPr>
+        <p:spPr>
+          <a:xfrm>
+            <a:off x="1" y="3080825"/>
+            <a:ext cx="12191999" cy="1862048"/>
+          </a:xfrm>
+          <a:prstGeom prst="rect">
+            <a:avLst/>
+          </a:prstGeom>
+          <a:noFill/>
+        </p:spPr>
+        <p:txBody>
+          <a:bodyPr wrap="square" rtlCol="0">
+            <a:spAutoFit/>
+          </a:bodyPr>
+          <a:lstStyle/>
+          <a:p>
+            <a:pPr algn="ctr"/>
+            <a:r>
+              <a:rPr lang="en-US" sz="11500" dirty="0"/>
+              <a:t>?</a:t>
+            </a:r>
+          </a:p>
+        </p:txBody>
+      </p:sp>
+    </p:spTree>
+    <p:extLst>
+      <p:ext uri="{BB962C8B-B14F-4D97-AF65-F5344CB8AC3E}">
+        <p14:creationId xmlns:p14="http://schemas.microsoft.com/office/powerpoint/2010/main" val="354370229"/>
+      </p:ext>
+    </p:extLst>
+  </p:cSld>
+  <p:clrMapOvr>
+    <a:masterClrMapping/>
+  </p:clrMapOvr>
+</p:sld>
+</file>
+
 <file path=ppt/theme/theme1.xml><?xml version="1.0" encoding="utf-8"?>
 <a:theme xmlns:a="http://schemas.openxmlformats.org/drawingml/2006/main" name="WelcomeDoc">
   <a:themeElements>
